--- a/9.3 Probability Distribution (Part 3).pptx
+++ b/9.3 Probability Distribution (Part 3).pptx
@@ -20,19 +20,17 @@
     <p:sldId id="472" r:id="rId14"/>
     <p:sldId id="471" r:id="rId15"/>
     <p:sldId id="473" r:id="rId16"/>
-    <p:sldId id="470" r:id="rId17"/>
-    <p:sldId id="474" r:id="rId18"/>
-    <p:sldId id="485" r:id="rId19"/>
-    <p:sldId id="479" r:id="rId20"/>
-    <p:sldId id="466" r:id="rId21"/>
-    <p:sldId id="467" r:id="rId22"/>
-    <p:sldId id="484" r:id="rId23"/>
-    <p:sldId id="480" r:id="rId24"/>
-    <p:sldId id="481" r:id="rId25"/>
-    <p:sldId id="482" r:id="rId26"/>
-    <p:sldId id="486" r:id="rId27"/>
-    <p:sldId id="405" r:id="rId28"/>
-    <p:sldId id="363" r:id="rId29"/>
+    <p:sldId id="485" r:id="rId17"/>
+    <p:sldId id="479" r:id="rId18"/>
+    <p:sldId id="466" r:id="rId19"/>
+    <p:sldId id="467" r:id="rId20"/>
+    <p:sldId id="484" r:id="rId21"/>
+    <p:sldId id="480" r:id="rId22"/>
+    <p:sldId id="481" r:id="rId23"/>
+    <p:sldId id="482" r:id="rId24"/>
+    <p:sldId id="486" r:id="rId25"/>
+    <p:sldId id="405" r:id="rId26"/>
+    <p:sldId id="363" r:id="rId27"/>
   </p:sldIdLst>
   <p:sldSz cx="14630400" cy="8229600"/>
   <p:notesSz cx="6858000" cy="9144000"/>
@@ -542,7 +540,7 @@
           <a:p>
             <a:fld id="{97B34786-0A07-4281-A7C3-7630DD8912B6}" type="datetimeFigureOut">
               <a:rPr lang="en-US" smtClean="0"/>
-              <a:t>9/14/2024</a:t>
+              <a:t>9/16/2024</a:t>
             </a:fld>
             <a:endParaRPr lang="en-US"/>
           </a:p>
@@ -721,7 +719,7 @@
           <a:p>
             <a:fld id="{97B34786-0A07-4281-A7C3-7630DD8912B6}" type="datetimeFigureOut">
               <a:rPr lang="en-US" smtClean="0"/>
-              <a:t>9/14/2024</a:t>
+              <a:t>9/16/2024</a:t>
             </a:fld>
             <a:endParaRPr lang="en-US"/>
           </a:p>
@@ -901,7 +899,7 @@
           <a:p>
             <a:fld id="{97B34786-0A07-4281-A7C3-7630DD8912B6}" type="datetimeFigureOut">
               <a:rPr lang="en-US" smtClean="0"/>
-              <a:t>9/14/2024</a:t>
+              <a:t>9/16/2024</a:t>
             </a:fld>
             <a:endParaRPr lang="en-US"/>
           </a:p>
@@ -1076,7 +1074,7 @@
           <a:p>
             <a:fld id="{97B34786-0A07-4281-A7C3-7630DD8912B6}" type="datetimeFigureOut">
               <a:rPr lang="en-US" smtClean="0"/>
-              <a:t>9/14/2024</a:t>
+              <a:t>9/16/2024</a:t>
             </a:fld>
             <a:endParaRPr lang="en-US"/>
           </a:p>
@@ -1246,7 +1244,7 @@
           <a:p>
             <a:fld id="{97B34786-0A07-4281-A7C3-7630DD8912B6}" type="datetimeFigureOut">
               <a:rPr lang="en-US" smtClean="0"/>
-              <a:t>9/14/2024</a:t>
+              <a:t>9/16/2024</a:t>
             </a:fld>
             <a:endParaRPr lang="en-US"/>
           </a:p>
@@ -1559,7 +1557,7 @@
           <a:p>
             <a:fld id="{97B34786-0A07-4281-A7C3-7630DD8912B6}" type="datetimeFigureOut">
               <a:rPr lang="en-US" smtClean="0"/>
-              <a:t>9/14/2024</a:t>
+              <a:t>9/16/2024</a:t>
             </a:fld>
             <a:endParaRPr lang="en-US"/>
           </a:p>
@@ -1945,7 +1943,7 @@
           <a:p>
             <a:fld id="{97B34786-0A07-4281-A7C3-7630DD8912B6}" type="datetimeFigureOut">
               <a:rPr lang="en-US" smtClean="0"/>
-              <a:t>9/14/2024</a:t>
+              <a:t>9/16/2024</a:t>
             </a:fld>
             <a:endParaRPr lang="en-US"/>
           </a:p>
@@ -2379,7 +2377,7 @@
           <a:p>
             <a:fld id="{97B34786-0A07-4281-A7C3-7630DD8912B6}" type="datetimeFigureOut">
               <a:rPr lang="en-US" smtClean="0"/>
-              <a:t>9/14/2024</a:t>
+              <a:t>9/16/2024</a:t>
             </a:fld>
             <a:endParaRPr lang="en-US"/>
           </a:p>
@@ -2497,7 +2495,7 @@
           <a:p>
             <a:fld id="{97B34786-0A07-4281-A7C3-7630DD8912B6}" type="datetimeFigureOut">
               <a:rPr lang="en-US" smtClean="0"/>
-              <a:t>9/14/2024</a:t>
+              <a:t>9/16/2024</a:t>
             </a:fld>
             <a:endParaRPr lang="en-US"/>
           </a:p>
@@ -2592,7 +2590,7 @@
           <a:p>
             <a:fld id="{97B34786-0A07-4281-A7C3-7630DD8912B6}" type="datetimeFigureOut">
               <a:rPr lang="en-US" smtClean="0"/>
-              <a:t>9/14/2024</a:t>
+              <a:t>9/16/2024</a:t>
             </a:fld>
             <a:endParaRPr lang="en-US"/>
           </a:p>
@@ -2942,7 +2940,7 @@
           <a:p>
             <a:fld id="{97B34786-0A07-4281-A7C3-7630DD8912B6}" type="datetimeFigureOut">
               <a:rPr lang="en-US" smtClean="0"/>
-              <a:t>9/14/2024</a:t>
+              <a:t>9/16/2024</a:t>
             </a:fld>
             <a:endParaRPr lang="en-US"/>
           </a:p>
@@ -3367,7 +3365,7 @@
           <a:p>
             <a:fld id="{97B34786-0A07-4281-A7C3-7630DD8912B6}" type="datetimeFigureOut">
               <a:rPr lang="en-US" smtClean="0"/>
-              <a:t>9/14/2024</a:t>
+              <a:t>9/16/2024</a:t>
             </a:fld>
             <a:endParaRPr lang="en-US"/>
           </a:p>
@@ -3648,7 +3646,7 @@
           <a:p>
             <a:fld id="{97B34786-0A07-4281-A7C3-7630DD8912B6}" type="datetimeFigureOut">
               <a:rPr lang="en-US" smtClean="0"/>
-              <a:t>9/14/2024</a:t>
+              <a:t>9/16/2024</a:t>
             </a:fld>
             <a:endParaRPr lang="en-US"/>
           </a:p>
@@ -21576,1990 +21574,6 @@
           <a:p>
             <a:r>
               <a:rPr lang="en-US" dirty="0"/>
-              <a:t>Calculator</a:t>
-            </a:r>
-          </a:p>
-        </p:txBody>
-      </p:sp>
-      <p:pic>
-        <p:nvPicPr>
-          <p:cNvPr id="5" name="Content Placeholder 4">
-            <a:extLst>
-              <a:ext uri="{FF2B5EF4-FFF2-40B4-BE49-F238E27FC236}">
-                <a16:creationId xmlns:a16="http://schemas.microsoft.com/office/drawing/2014/main" id="{7D68F2BA-F13C-3C0F-4143-22F4A6AD477B}"/>
-              </a:ext>
-            </a:extLst>
-          </p:cNvPr>
-          <p:cNvPicPr>
-            <a:picLocks noGrp="1" noChangeAspect="1"/>
-          </p:cNvPicPr>
-          <p:nvPr>
-            <p:ph sz="quarter" idx="13"/>
-          </p:nvPr>
-        </p:nvPicPr>
-        <p:blipFill rotWithShape="1">
-          <a:blip r:embed="rId2">
-            <a:extLst>
-              <a:ext uri="{28A0092B-C50C-407E-A947-70E740481C1C}">
-                <a14:useLocalDpi xmlns:a14="http://schemas.microsoft.com/office/drawing/2010/main" val="0"/>
-              </a:ext>
-            </a:extLst>
-          </a:blip>
-          <a:srcRect t="11280" b="50040"/>
-          <a:stretch/>
-        </p:blipFill>
-        <p:spPr>
-          <a:xfrm>
-            <a:off x="689819" y="2028683"/>
-            <a:ext cx="6122174" cy="5262466"/>
-          </a:xfrm>
-        </p:spPr>
-      </p:pic>
-      <p:sp>
-        <p:nvSpPr>
-          <p:cNvPr id="6" name="Arrow: Down 5">
-            <a:extLst>
-              <a:ext uri="{FF2B5EF4-FFF2-40B4-BE49-F238E27FC236}">
-                <a16:creationId xmlns:a16="http://schemas.microsoft.com/office/drawing/2014/main" id="{B85B7488-EFCC-B4EF-552A-78B0C0C415D7}"/>
-              </a:ext>
-            </a:extLst>
-          </p:cNvPr>
-          <p:cNvSpPr/>
-          <p:nvPr/>
-        </p:nvSpPr>
-        <p:spPr>
-          <a:xfrm>
-            <a:off x="4851918" y="4870580"/>
-            <a:ext cx="653143" cy="746449"/>
-          </a:xfrm>
-          <a:custGeom>
-            <a:avLst/>
-            <a:gdLst>
-              <a:gd name="connsiteX0" fmla="*/ 0 w 653143"/>
-              <a:gd name="connsiteY0" fmla="*/ 419878 h 746449"/>
-              <a:gd name="connsiteX1" fmla="*/ 163286 w 653143"/>
-              <a:gd name="connsiteY1" fmla="*/ 419878 h 746449"/>
-              <a:gd name="connsiteX2" fmla="*/ 163286 w 653143"/>
-              <a:gd name="connsiteY2" fmla="*/ 0 h 746449"/>
-              <a:gd name="connsiteX3" fmla="*/ 489857 w 653143"/>
-              <a:gd name="connsiteY3" fmla="*/ 0 h 746449"/>
-              <a:gd name="connsiteX4" fmla="*/ 489857 w 653143"/>
-              <a:gd name="connsiteY4" fmla="*/ 419878 h 746449"/>
-              <a:gd name="connsiteX5" fmla="*/ 653143 w 653143"/>
-              <a:gd name="connsiteY5" fmla="*/ 419878 h 746449"/>
-              <a:gd name="connsiteX6" fmla="*/ 326572 w 653143"/>
-              <a:gd name="connsiteY6" fmla="*/ 746449 h 746449"/>
-              <a:gd name="connsiteX7" fmla="*/ 0 w 653143"/>
-              <a:gd name="connsiteY7" fmla="*/ 419878 h 746449"/>
-            </a:gdLst>
-            <a:ahLst/>
-            <a:cxnLst>
-              <a:cxn ang="0">
-                <a:pos x="connsiteX0" y="connsiteY0"/>
-              </a:cxn>
-              <a:cxn ang="0">
-                <a:pos x="connsiteX1" y="connsiteY1"/>
-              </a:cxn>
-              <a:cxn ang="0">
-                <a:pos x="connsiteX2" y="connsiteY2"/>
-              </a:cxn>
-              <a:cxn ang="0">
-                <a:pos x="connsiteX3" y="connsiteY3"/>
-              </a:cxn>
-              <a:cxn ang="0">
-                <a:pos x="connsiteX4" y="connsiteY4"/>
-              </a:cxn>
-              <a:cxn ang="0">
-                <a:pos x="connsiteX5" y="connsiteY5"/>
-              </a:cxn>
-              <a:cxn ang="0">
-                <a:pos x="connsiteX6" y="connsiteY6"/>
-              </a:cxn>
-              <a:cxn ang="0">
-                <a:pos x="connsiteX7" y="connsiteY7"/>
-              </a:cxn>
-            </a:cxnLst>
-            <a:rect l="l" t="t" r="r" b="b"/>
-            <a:pathLst>
-              <a:path w="653143" h="746449" fill="none" extrusionOk="0">
-                <a:moveTo>
-                  <a:pt x="0" y="419878"/>
-                </a:moveTo>
-                <a:cubicBezTo>
-                  <a:pt x="67706" y="418704"/>
-                  <a:pt x="122425" y="426671"/>
-                  <a:pt x="163286" y="419878"/>
-                </a:cubicBezTo>
-                <a:cubicBezTo>
-                  <a:pt x="172420" y="237102"/>
-                  <a:pt x="171188" y="137470"/>
-                  <a:pt x="163286" y="0"/>
-                </a:cubicBezTo>
-                <a:cubicBezTo>
-                  <a:pt x="310187" y="6819"/>
-                  <a:pt x="394195" y="-9676"/>
-                  <a:pt x="489857" y="0"/>
-                </a:cubicBezTo>
-                <a:cubicBezTo>
-                  <a:pt x="503850" y="119090"/>
-                  <a:pt x="479449" y="334391"/>
-                  <a:pt x="489857" y="419878"/>
-                </a:cubicBezTo>
-                <a:cubicBezTo>
-                  <a:pt x="546278" y="418423"/>
-                  <a:pt x="596435" y="421895"/>
-                  <a:pt x="653143" y="419878"/>
-                </a:cubicBezTo>
-                <a:cubicBezTo>
-                  <a:pt x="526696" y="570966"/>
-                  <a:pt x="461136" y="595177"/>
-                  <a:pt x="326572" y="746449"/>
-                </a:cubicBezTo>
-                <a:cubicBezTo>
-                  <a:pt x="267236" y="660267"/>
-                  <a:pt x="103750" y="545513"/>
-                  <a:pt x="0" y="419878"/>
-                </a:cubicBezTo>
-                <a:close/>
-              </a:path>
-              <a:path w="653143" h="746449" stroke="0" extrusionOk="0">
-                <a:moveTo>
-                  <a:pt x="0" y="419878"/>
-                </a:moveTo>
-                <a:cubicBezTo>
-                  <a:pt x="33095" y="420279"/>
-                  <a:pt x="107847" y="422795"/>
-                  <a:pt x="163286" y="419878"/>
-                </a:cubicBezTo>
-                <a:cubicBezTo>
-                  <a:pt x="163745" y="298485"/>
-                  <a:pt x="146457" y="89022"/>
-                  <a:pt x="163286" y="0"/>
-                </a:cubicBezTo>
-                <a:cubicBezTo>
-                  <a:pt x="289079" y="9330"/>
-                  <a:pt x="391540" y="-4956"/>
-                  <a:pt x="489857" y="0"/>
-                </a:cubicBezTo>
-                <a:cubicBezTo>
-                  <a:pt x="489481" y="99048"/>
-                  <a:pt x="505836" y="267660"/>
-                  <a:pt x="489857" y="419878"/>
-                </a:cubicBezTo>
-                <a:cubicBezTo>
-                  <a:pt x="571145" y="427209"/>
-                  <a:pt x="589464" y="419957"/>
-                  <a:pt x="653143" y="419878"/>
-                </a:cubicBezTo>
-                <a:cubicBezTo>
-                  <a:pt x="538725" y="536927"/>
-                  <a:pt x="442686" y="660219"/>
-                  <a:pt x="326572" y="746449"/>
-                </a:cubicBezTo>
-                <a:cubicBezTo>
-                  <a:pt x="190307" y="640743"/>
-                  <a:pt x="61341" y="489478"/>
-                  <a:pt x="0" y="419878"/>
-                </a:cubicBezTo>
-                <a:close/>
-              </a:path>
-            </a:pathLst>
-          </a:custGeom>
-          <a:solidFill>
-            <a:srgbClr val="FFC000"/>
-          </a:solidFill>
-          <a:ln w="19050">
-            <a:solidFill>
-              <a:schemeClr val="tx1"/>
-            </a:solidFill>
-            <a:extLst>
-              <a:ext uri="{C807C97D-BFC1-408E-A445-0C87EB9F89A2}">
-                <ask:lineSketchStyleProps xmlns:ask="http://schemas.microsoft.com/office/drawing/2018/sketchyshapes" sd="820769485">
-                  <a:prstGeom prst="downArrow">
-                    <a:avLst/>
-                  </a:prstGeom>
-                  <ask:type>
-                    <ask:lineSketchFreehand/>
-                  </ask:type>
-                </ask:lineSketchStyleProps>
-              </a:ext>
-            </a:extLst>
-          </a:ln>
-        </p:spPr>
-        <p:style>
-          <a:lnRef idx="2">
-            <a:schemeClr val="accent1">
-              <a:shade val="15000"/>
-            </a:schemeClr>
-          </a:lnRef>
-          <a:fillRef idx="1">
-            <a:schemeClr val="accent1"/>
-          </a:fillRef>
-          <a:effectRef idx="0">
-            <a:schemeClr val="accent1"/>
-          </a:effectRef>
-          <a:fontRef idx="minor">
-            <a:schemeClr val="lt1"/>
-          </a:fontRef>
-        </p:style>
-        <p:txBody>
-          <a:bodyPr rtlCol="0" anchor="ctr"/>
-          <a:lstStyle/>
-          <a:p>
-            <a:pPr algn="ctr"/>
-            <a:endParaRPr lang="en-US"/>
-          </a:p>
-        </p:txBody>
-      </p:sp>
-      <p:pic>
-        <p:nvPicPr>
-          <p:cNvPr id="8" name="Picture 7">
-            <a:extLst>
-              <a:ext uri="{FF2B5EF4-FFF2-40B4-BE49-F238E27FC236}">
-                <a16:creationId xmlns:a16="http://schemas.microsoft.com/office/drawing/2014/main" id="{1B6B6D36-355D-7BB5-F6DD-6F7B49C3C9B5}"/>
-              </a:ext>
-            </a:extLst>
-          </p:cNvPr>
-          <p:cNvPicPr>
-            <a:picLocks noChangeAspect="1"/>
-          </p:cNvPicPr>
-          <p:nvPr/>
-        </p:nvPicPr>
-        <p:blipFill rotWithShape="1">
-          <a:blip r:embed="rId3">
-            <a:extLst>
-              <a:ext uri="{28A0092B-C50C-407E-A947-70E740481C1C}">
-                <a14:useLocalDpi xmlns:a14="http://schemas.microsoft.com/office/drawing/2010/main" val="0"/>
-              </a:ext>
-            </a:extLst>
-          </a:blip>
-          <a:srcRect t="6173" b="54370"/>
-          <a:stretch/>
-        </p:blipFill>
-        <p:spPr>
-          <a:xfrm>
-            <a:off x="8005431" y="2028683"/>
-            <a:ext cx="6001933" cy="5262466"/>
-          </a:xfrm>
-          <a:prstGeom prst="rect">
-            <a:avLst/>
-          </a:prstGeom>
-        </p:spPr>
-      </p:pic>
-      <p:sp>
-        <p:nvSpPr>
-          <p:cNvPr id="9" name="Arrow: Down 8">
-            <a:extLst>
-              <a:ext uri="{FF2B5EF4-FFF2-40B4-BE49-F238E27FC236}">
-                <a16:creationId xmlns:a16="http://schemas.microsoft.com/office/drawing/2014/main" id="{BA163F38-D727-08C0-D2AD-A27D643DADD7}"/>
-              </a:ext>
-            </a:extLst>
-          </p:cNvPr>
-          <p:cNvSpPr/>
-          <p:nvPr/>
-        </p:nvSpPr>
-        <p:spPr>
-          <a:xfrm>
-            <a:off x="8475307" y="3350710"/>
-            <a:ext cx="1153886" cy="1218371"/>
-          </a:xfrm>
-          <a:custGeom>
-            <a:avLst/>
-            <a:gdLst>
-              <a:gd name="connsiteX0" fmla="*/ 0 w 1153886"/>
-              <a:gd name="connsiteY0" fmla="*/ 641428 h 1218371"/>
-              <a:gd name="connsiteX1" fmla="*/ 288472 w 1153886"/>
-              <a:gd name="connsiteY1" fmla="*/ 641428 h 1218371"/>
-              <a:gd name="connsiteX2" fmla="*/ 288472 w 1153886"/>
-              <a:gd name="connsiteY2" fmla="*/ 0 h 1218371"/>
-              <a:gd name="connsiteX3" fmla="*/ 865415 w 1153886"/>
-              <a:gd name="connsiteY3" fmla="*/ 0 h 1218371"/>
-              <a:gd name="connsiteX4" fmla="*/ 865415 w 1153886"/>
-              <a:gd name="connsiteY4" fmla="*/ 641428 h 1218371"/>
-              <a:gd name="connsiteX5" fmla="*/ 1153886 w 1153886"/>
-              <a:gd name="connsiteY5" fmla="*/ 641428 h 1218371"/>
-              <a:gd name="connsiteX6" fmla="*/ 882723 w 1153886"/>
-              <a:gd name="connsiteY6" fmla="*/ 912591 h 1218371"/>
-              <a:gd name="connsiteX7" fmla="*/ 576943 w 1153886"/>
-              <a:gd name="connsiteY7" fmla="*/ 1218371 h 1218371"/>
-              <a:gd name="connsiteX8" fmla="*/ 276933 w 1153886"/>
-              <a:gd name="connsiteY8" fmla="*/ 918361 h 1218371"/>
-              <a:gd name="connsiteX9" fmla="*/ 0 w 1153886"/>
-              <a:gd name="connsiteY9" fmla="*/ 641428 h 1218371"/>
-            </a:gdLst>
-            <a:ahLst/>
-            <a:cxnLst>
-              <a:cxn ang="0">
-                <a:pos x="connsiteX0" y="connsiteY0"/>
-              </a:cxn>
-              <a:cxn ang="0">
-                <a:pos x="connsiteX1" y="connsiteY1"/>
-              </a:cxn>
-              <a:cxn ang="0">
-                <a:pos x="connsiteX2" y="connsiteY2"/>
-              </a:cxn>
-              <a:cxn ang="0">
-                <a:pos x="connsiteX3" y="connsiteY3"/>
-              </a:cxn>
-              <a:cxn ang="0">
-                <a:pos x="connsiteX4" y="connsiteY4"/>
-              </a:cxn>
-              <a:cxn ang="0">
-                <a:pos x="connsiteX5" y="connsiteY5"/>
-              </a:cxn>
-              <a:cxn ang="0">
-                <a:pos x="connsiteX6" y="connsiteY6"/>
-              </a:cxn>
-              <a:cxn ang="0">
-                <a:pos x="connsiteX7" y="connsiteY7"/>
-              </a:cxn>
-              <a:cxn ang="0">
-                <a:pos x="connsiteX8" y="connsiteY8"/>
-              </a:cxn>
-              <a:cxn ang="0">
-                <a:pos x="connsiteX9" y="connsiteY9"/>
-              </a:cxn>
-            </a:cxnLst>
-            <a:rect l="l" t="t" r="r" b="b"/>
-            <a:pathLst>
-              <a:path w="1153886" h="1218371" fill="none" extrusionOk="0">
-                <a:moveTo>
-                  <a:pt x="0" y="641428"/>
-                </a:moveTo>
-                <a:cubicBezTo>
-                  <a:pt x="124824" y="632035"/>
-                  <a:pt x="148543" y="637424"/>
-                  <a:pt x="288472" y="641428"/>
-                </a:cubicBezTo>
-                <a:cubicBezTo>
-                  <a:pt x="258887" y="442338"/>
-                  <a:pt x="289832" y="234255"/>
-                  <a:pt x="288472" y="0"/>
-                </a:cubicBezTo>
-                <a:cubicBezTo>
-                  <a:pt x="563643" y="28462"/>
-                  <a:pt x="666888" y="-17494"/>
-                  <a:pt x="865415" y="0"/>
-                </a:cubicBezTo>
-                <a:cubicBezTo>
-                  <a:pt x="835650" y="195048"/>
-                  <a:pt x="881834" y="335688"/>
-                  <a:pt x="865415" y="641428"/>
-                </a:cubicBezTo>
-                <a:cubicBezTo>
-                  <a:pt x="980856" y="631187"/>
-                  <a:pt x="1039080" y="630667"/>
-                  <a:pt x="1153886" y="641428"/>
-                </a:cubicBezTo>
-                <a:cubicBezTo>
-                  <a:pt x="1033249" y="745747"/>
-                  <a:pt x="971598" y="824203"/>
-                  <a:pt x="882723" y="912591"/>
-                </a:cubicBezTo>
-                <a:cubicBezTo>
-                  <a:pt x="793848" y="1000979"/>
-                  <a:pt x="681594" y="1100812"/>
-                  <a:pt x="576943" y="1218371"/>
-                </a:cubicBezTo>
-                <a:cubicBezTo>
-                  <a:pt x="460114" y="1129649"/>
-                  <a:pt x="343246" y="985861"/>
-                  <a:pt x="276933" y="918361"/>
-                </a:cubicBezTo>
-                <a:cubicBezTo>
-                  <a:pt x="210620" y="850861"/>
-                  <a:pt x="55497" y="724290"/>
-                  <a:pt x="0" y="641428"/>
-                </a:cubicBezTo>
-                <a:close/>
-              </a:path>
-              <a:path w="1153886" h="1218371" stroke="0" extrusionOk="0">
-                <a:moveTo>
-                  <a:pt x="0" y="641428"/>
-                </a:moveTo>
-                <a:cubicBezTo>
-                  <a:pt x="112891" y="655825"/>
-                  <a:pt x="178848" y="632101"/>
-                  <a:pt x="288472" y="641428"/>
-                </a:cubicBezTo>
-                <a:cubicBezTo>
-                  <a:pt x="290450" y="430412"/>
-                  <a:pt x="309130" y="226325"/>
-                  <a:pt x="288472" y="0"/>
-                </a:cubicBezTo>
-                <a:cubicBezTo>
-                  <a:pt x="445562" y="-7623"/>
-                  <a:pt x="609366" y="-21341"/>
-                  <a:pt x="865415" y="0"/>
-                </a:cubicBezTo>
-                <a:cubicBezTo>
-                  <a:pt x="860753" y="272824"/>
-                  <a:pt x="886169" y="440305"/>
-                  <a:pt x="865415" y="641428"/>
-                </a:cubicBezTo>
-                <a:cubicBezTo>
-                  <a:pt x="969660" y="651642"/>
-                  <a:pt x="1051895" y="644715"/>
-                  <a:pt x="1153886" y="641428"/>
-                </a:cubicBezTo>
-                <a:cubicBezTo>
-                  <a:pt x="995349" y="772272"/>
-                  <a:pt x="919223" y="882305"/>
-                  <a:pt x="853876" y="941438"/>
-                </a:cubicBezTo>
-                <a:cubicBezTo>
-                  <a:pt x="788529" y="1000571"/>
-                  <a:pt x="646215" y="1167493"/>
-                  <a:pt x="576943" y="1218371"/>
-                </a:cubicBezTo>
-                <a:cubicBezTo>
-                  <a:pt x="467746" y="1133156"/>
-                  <a:pt x="413640" y="1032137"/>
-                  <a:pt x="282702" y="924130"/>
-                </a:cubicBezTo>
-                <a:cubicBezTo>
-                  <a:pt x="151764" y="816123"/>
-                  <a:pt x="79730" y="720590"/>
-                  <a:pt x="0" y="641428"/>
-                </a:cubicBezTo>
-                <a:close/>
-              </a:path>
-            </a:pathLst>
-          </a:custGeom>
-          <a:solidFill>
-            <a:srgbClr val="FFC000"/>
-          </a:solidFill>
-          <a:ln w="19050">
-            <a:solidFill>
-              <a:schemeClr val="tx1"/>
-            </a:solidFill>
-            <a:extLst>
-              <a:ext uri="{C807C97D-BFC1-408E-A445-0C87EB9F89A2}">
-                <ask:lineSketchStyleProps xmlns:ask="http://schemas.microsoft.com/office/drawing/2018/sketchyshapes" sd="820769485">
-                  <a:prstGeom prst="downArrow">
-                    <a:avLst/>
-                  </a:prstGeom>
-                  <ask:type>
-                    <ask:lineSketchFreehand/>
-                  </ask:type>
-                </ask:lineSketchStyleProps>
-              </a:ext>
-            </a:extLst>
-          </a:ln>
-        </p:spPr>
-        <p:style>
-          <a:lnRef idx="2">
-            <a:schemeClr val="accent1">
-              <a:shade val="15000"/>
-            </a:schemeClr>
-          </a:lnRef>
-          <a:fillRef idx="1">
-            <a:schemeClr val="accent1"/>
-          </a:fillRef>
-          <a:effectRef idx="0">
-            <a:schemeClr val="accent1"/>
-          </a:effectRef>
-          <a:fontRef idx="minor">
-            <a:schemeClr val="lt1"/>
-          </a:fontRef>
-        </p:style>
-        <p:txBody>
-          <a:bodyPr rtlCol="0" anchor="ctr"/>
-          <a:lstStyle/>
-          <a:p>
-            <a:pPr algn="ctr"/>
-            <a:endParaRPr lang="en-US"/>
-          </a:p>
-        </p:txBody>
-      </p:sp>
-    </p:spTree>
-    <p:extLst>
-      <p:ext uri="{BB962C8B-B14F-4D97-AF65-F5344CB8AC3E}">
-        <p14:creationId xmlns:p14="http://schemas.microsoft.com/office/powerpoint/2010/main" val="473443094"/>
-      </p:ext>
-    </p:extLst>
-  </p:cSld>
-  <p:clrMapOvr>
-    <a:masterClrMapping/>
-  </p:clrMapOvr>
-  <p:timing>
-    <p:tnLst>
-      <p:par>
-        <p:cTn id="1" dur="indefinite" restart="never" nodeType="tmRoot">
-          <p:childTnLst>
-            <p:seq concurrent="1" nextAc="seek">
-              <p:cTn id="2" dur="indefinite" nodeType="mainSeq">
-                <p:childTnLst>
-                  <p:par>
-                    <p:cTn id="3" fill="hold">
-                      <p:stCondLst>
-                        <p:cond delay="indefinite"/>
-                      </p:stCondLst>
-                      <p:childTnLst>
-                        <p:par>
-                          <p:cTn id="4" fill="hold">
-                            <p:stCondLst>
-                              <p:cond delay="0"/>
-                            </p:stCondLst>
-                            <p:childTnLst>
-                              <p:par>
-                                <p:cTn id="5" presetID="16" presetClass="entr" presetSubtype="21" fill="hold" nodeType="clickEffect">
-                                  <p:stCondLst>
-                                    <p:cond delay="0"/>
-                                  </p:stCondLst>
-                                  <p:childTnLst>
-                                    <p:set>
-                                      <p:cBhvr>
-                                        <p:cTn id="6" dur="1" fill="hold">
-                                          <p:stCondLst>
-                                            <p:cond delay="0"/>
-                                          </p:stCondLst>
-                                        </p:cTn>
-                                        <p:tgtEl>
-                                          <p:spTgt spid="5"/>
-                                        </p:tgtEl>
-                                        <p:attrNameLst>
-                                          <p:attrName>style.visibility</p:attrName>
-                                        </p:attrNameLst>
-                                      </p:cBhvr>
-                                      <p:to>
-                                        <p:strVal val="visible"/>
-                                      </p:to>
-                                    </p:set>
-                                    <p:animEffect transition="in" filter="barn(inVertical)">
-                                      <p:cBhvr>
-                                        <p:cTn id="7" dur="500"/>
-                                        <p:tgtEl>
-                                          <p:spTgt spid="5"/>
-                                        </p:tgtEl>
-                                      </p:cBhvr>
-                                    </p:animEffect>
-                                  </p:childTnLst>
-                                </p:cTn>
-                              </p:par>
-                            </p:childTnLst>
-                          </p:cTn>
-                        </p:par>
-                      </p:childTnLst>
-                    </p:cTn>
-                  </p:par>
-                  <p:par>
-                    <p:cTn id="8" fill="hold">
-                      <p:stCondLst>
-                        <p:cond delay="indefinite"/>
-                      </p:stCondLst>
-                      <p:childTnLst>
-                        <p:par>
-                          <p:cTn id="9" fill="hold">
-                            <p:stCondLst>
-                              <p:cond delay="0"/>
-                            </p:stCondLst>
-                            <p:childTnLst>
-                              <p:par>
-                                <p:cTn id="10" presetID="2" presetClass="entr" presetSubtype="4" fill="hold" grpId="0" nodeType="clickEffect">
-                                  <p:stCondLst>
-                                    <p:cond delay="0"/>
-                                  </p:stCondLst>
-                                  <p:childTnLst>
-                                    <p:set>
-                                      <p:cBhvr>
-                                        <p:cTn id="11" dur="1" fill="hold">
-                                          <p:stCondLst>
-                                            <p:cond delay="0"/>
-                                          </p:stCondLst>
-                                        </p:cTn>
-                                        <p:tgtEl>
-                                          <p:spTgt spid="6"/>
-                                        </p:tgtEl>
-                                        <p:attrNameLst>
-                                          <p:attrName>style.visibility</p:attrName>
-                                        </p:attrNameLst>
-                                      </p:cBhvr>
-                                      <p:to>
-                                        <p:strVal val="visible"/>
-                                      </p:to>
-                                    </p:set>
-                                    <p:anim calcmode="lin" valueType="num">
-                                      <p:cBhvr additive="base">
-                                        <p:cTn id="12" dur="500" fill="hold"/>
-                                        <p:tgtEl>
-                                          <p:spTgt spid="6"/>
-                                        </p:tgtEl>
-                                        <p:attrNameLst>
-                                          <p:attrName>ppt_x</p:attrName>
-                                        </p:attrNameLst>
-                                      </p:cBhvr>
-                                      <p:tavLst>
-                                        <p:tav tm="0">
-                                          <p:val>
-                                            <p:strVal val="#ppt_x"/>
-                                          </p:val>
-                                        </p:tav>
-                                        <p:tav tm="100000">
-                                          <p:val>
-                                            <p:strVal val="#ppt_x"/>
-                                          </p:val>
-                                        </p:tav>
-                                      </p:tavLst>
-                                    </p:anim>
-                                    <p:anim calcmode="lin" valueType="num">
-                                      <p:cBhvr additive="base">
-                                        <p:cTn id="13" dur="500" fill="hold"/>
-                                        <p:tgtEl>
-                                          <p:spTgt spid="6"/>
-                                        </p:tgtEl>
-                                        <p:attrNameLst>
-                                          <p:attrName>ppt_y</p:attrName>
-                                        </p:attrNameLst>
-                                      </p:cBhvr>
-                                      <p:tavLst>
-                                        <p:tav tm="0">
-                                          <p:val>
-                                            <p:strVal val="1+#ppt_h/2"/>
-                                          </p:val>
-                                        </p:tav>
-                                        <p:tav tm="100000">
-                                          <p:val>
-                                            <p:strVal val="#ppt_y"/>
-                                          </p:val>
-                                        </p:tav>
-                                      </p:tavLst>
-                                    </p:anim>
-                                  </p:childTnLst>
-                                </p:cTn>
-                              </p:par>
-                            </p:childTnLst>
-                          </p:cTn>
-                        </p:par>
-                      </p:childTnLst>
-                    </p:cTn>
-                  </p:par>
-                  <p:par>
-                    <p:cTn id="14" fill="hold">
-                      <p:stCondLst>
-                        <p:cond delay="indefinite"/>
-                      </p:stCondLst>
-                      <p:childTnLst>
-                        <p:par>
-                          <p:cTn id="15" fill="hold">
-                            <p:stCondLst>
-                              <p:cond delay="0"/>
-                            </p:stCondLst>
-                            <p:childTnLst>
-                              <p:par>
-                                <p:cTn id="16" presetID="16" presetClass="entr" presetSubtype="21" fill="hold" nodeType="clickEffect">
-                                  <p:stCondLst>
-                                    <p:cond delay="0"/>
-                                  </p:stCondLst>
-                                  <p:childTnLst>
-                                    <p:set>
-                                      <p:cBhvr>
-                                        <p:cTn id="17" dur="1" fill="hold">
-                                          <p:stCondLst>
-                                            <p:cond delay="0"/>
-                                          </p:stCondLst>
-                                        </p:cTn>
-                                        <p:tgtEl>
-                                          <p:spTgt spid="8"/>
-                                        </p:tgtEl>
-                                        <p:attrNameLst>
-                                          <p:attrName>style.visibility</p:attrName>
-                                        </p:attrNameLst>
-                                      </p:cBhvr>
-                                      <p:to>
-                                        <p:strVal val="visible"/>
-                                      </p:to>
-                                    </p:set>
-                                    <p:animEffect transition="in" filter="barn(inVertical)">
-                                      <p:cBhvr>
-                                        <p:cTn id="18" dur="500"/>
-                                        <p:tgtEl>
-                                          <p:spTgt spid="8"/>
-                                        </p:tgtEl>
-                                      </p:cBhvr>
-                                    </p:animEffect>
-                                  </p:childTnLst>
-                                </p:cTn>
-                              </p:par>
-                            </p:childTnLst>
-                          </p:cTn>
-                        </p:par>
-                      </p:childTnLst>
-                    </p:cTn>
-                  </p:par>
-                  <p:par>
-                    <p:cTn id="19" fill="hold">
-                      <p:stCondLst>
-                        <p:cond delay="indefinite"/>
-                      </p:stCondLst>
-                      <p:childTnLst>
-                        <p:par>
-                          <p:cTn id="20" fill="hold">
-                            <p:stCondLst>
-                              <p:cond delay="0"/>
-                            </p:stCondLst>
-                            <p:childTnLst>
-                              <p:par>
-                                <p:cTn id="21" presetID="2" presetClass="entr" presetSubtype="4" fill="hold" grpId="0" nodeType="clickEffect">
-                                  <p:stCondLst>
-                                    <p:cond delay="0"/>
-                                  </p:stCondLst>
-                                  <p:childTnLst>
-                                    <p:set>
-                                      <p:cBhvr>
-                                        <p:cTn id="22" dur="1" fill="hold">
-                                          <p:stCondLst>
-                                            <p:cond delay="0"/>
-                                          </p:stCondLst>
-                                        </p:cTn>
-                                        <p:tgtEl>
-                                          <p:spTgt spid="9"/>
-                                        </p:tgtEl>
-                                        <p:attrNameLst>
-                                          <p:attrName>style.visibility</p:attrName>
-                                        </p:attrNameLst>
-                                      </p:cBhvr>
-                                      <p:to>
-                                        <p:strVal val="visible"/>
-                                      </p:to>
-                                    </p:set>
-                                    <p:anim calcmode="lin" valueType="num">
-                                      <p:cBhvr additive="base">
-                                        <p:cTn id="23" dur="500" fill="hold"/>
-                                        <p:tgtEl>
-                                          <p:spTgt spid="9"/>
-                                        </p:tgtEl>
-                                        <p:attrNameLst>
-                                          <p:attrName>ppt_x</p:attrName>
-                                        </p:attrNameLst>
-                                      </p:cBhvr>
-                                      <p:tavLst>
-                                        <p:tav tm="0">
-                                          <p:val>
-                                            <p:strVal val="#ppt_x"/>
-                                          </p:val>
-                                        </p:tav>
-                                        <p:tav tm="100000">
-                                          <p:val>
-                                            <p:strVal val="#ppt_x"/>
-                                          </p:val>
-                                        </p:tav>
-                                      </p:tavLst>
-                                    </p:anim>
-                                    <p:anim calcmode="lin" valueType="num">
-                                      <p:cBhvr additive="base">
-                                        <p:cTn id="24" dur="500" fill="hold"/>
-                                        <p:tgtEl>
-                                          <p:spTgt spid="9"/>
-                                        </p:tgtEl>
-                                        <p:attrNameLst>
-                                          <p:attrName>ppt_y</p:attrName>
-                                        </p:attrNameLst>
-                                      </p:cBhvr>
-                                      <p:tavLst>
-                                        <p:tav tm="0">
-                                          <p:val>
-                                            <p:strVal val="1+#ppt_h/2"/>
-                                          </p:val>
-                                        </p:tav>
-                                        <p:tav tm="100000">
-                                          <p:val>
-                                            <p:strVal val="#ppt_y"/>
-                                          </p:val>
-                                        </p:tav>
-                                      </p:tavLst>
-                                    </p:anim>
-                                  </p:childTnLst>
-                                </p:cTn>
-                              </p:par>
-                            </p:childTnLst>
-                          </p:cTn>
-                        </p:par>
-                      </p:childTnLst>
-                    </p:cTn>
-                  </p:par>
-                </p:childTnLst>
-              </p:cTn>
-              <p:prevCondLst>
-                <p:cond evt="onPrev" delay="0">
-                  <p:tgtEl>
-                    <p:sldTgt/>
-                  </p:tgtEl>
-                </p:cond>
-              </p:prevCondLst>
-              <p:nextCondLst>
-                <p:cond evt="onNext" delay="0">
-                  <p:tgtEl>
-                    <p:sldTgt/>
-                  </p:tgtEl>
-                </p:cond>
-              </p:nextCondLst>
-            </p:seq>
-          </p:childTnLst>
-        </p:cTn>
-      </p:par>
-    </p:tnLst>
-    <p:bldLst>
-      <p:bldP spid="6" grpId="0" animBg="1"/>
-      <p:bldP spid="9" grpId="0" animBg="1"/>
-    </p:bldLst>
-  </p:timing>
-</p:sld>
-</file>
-
-<file path=ppt/slides/slide17.xml><?xml version="1.0" encoding="utf-8"?>
-<p:sld xmlns:a="http://schemas.openxmlformats.org/drawingml/2006/main" xmlns:r="http://schemas.openxmlformats.org/officeDocument/2006/relationships" xmlns:p="http://schemas.openxmlformats.org/presentationml/2006/main">
-  <p:cSld>
-    <p:spTree>
-      <p:nvGrpSpPr>
-        <p:cNvPr id="1" name=""/>
-        <p:cNvGrpSpPr/>
-        <p:nvPr/>
-      </p:nvGrpSpPr>
-      <p:grpSpPr>
-        <a:xfrm>
-          <a:off x="0" y="0"/>
-          <a:ext cx="0" cy="0"/>
-          <a:chOff x="0" y="0"/>
-          <a:chExt cx="0" cy="0"/>
-        </a:xfrm>
-      </p:grpSpPr>
-      <p:sp>
-        <p:nvSpPr>
-          <p:cNvPr id="2" name="Title 1">
-            <a:extLst>
-              <a:ext uri="{FF2B5EF4-FFF2-40B4-BE49-F238E27FC236}">
-                <a16:creationId xmlns:a16="http://schemas.microsoft.com/office/drawing/2014/main" id="{AE3CE8B8-8455-1913-31F5-C8A759952E32}"/>
-              </a:ext>
-            </a:extLst>
-          </p:cNvPr>
-          <p:cNvSpPr>
-            <a:spLocks noGrp="1"/>
-          </p:cNvSpPr>
-          <p:nvPr>
-            <p:ph type="title"/>
-          </p:nvPr>
-        </p:nvSpPr>
-        <p:spPr>
-          <a:xfrm>
-            <a:off x="1283818" y="97470"/>
-            <a:ext cx="12070080" cy="1931213"/>
-          </a:xfrm>
-        </p:spPr>
-        <p:txBody>
-          <a:bodyPr/>
-          <a:lstStyle/>
-          <a:p>
-            <a:r>
-              <a:rPr lang="en-US" dirty="0"/>
-              <a:t>Calculator</a:t>
-            </a:r>
-          </a:p>
-        </p:txBody>
-      </p:sp>
-      <p:pic>
-        <p:nvPicPr>
-          <p:cNvPr id="11" name="Content Placeholder 10">
-            <a:extLst>
-              <a:ext uri="{FF2B5EF4-FFF2-40B4-BE49-F238E27FC236}">
-                <a16:creationId xmlns:a16="http://schemas.microsoft.com/office/drawing/2014/main" id="{6D7DEED9-A60F-F378-C6A1-F86318020EFC}"/>
-              </a:ext>
-            </a:extLst>
-          </p:cNvPr>
-          <p:cNvPicPr>
-            <a:picLocks noGrp="1" noChangeAspect="1"/>
-          </p:cNvPicPr>
-          <p:nvPr>
-            <p:ph sz="quarter" idx="13"/>
-          </p:nvPr>
-        </p:nvPicPr>
-        <p:blipFill rotWithShape="1">
-          <a:blip r:embed="rId2">
-            <a:extLst>
-              <a:ext uri="{28A0092B-C50C-407E-A947-70E740481C1C}">
-                <a14:useLocalDpi xmlns:a14="http://schemas.microsoft.com/office/drawing/2010/main" val="0"/>
-              </a:ext>
-            </a:extLst>
-          </a:blip>
-          <a:srcRect t="10948"/>
-          <a:stretch/>
-        </p:blipFill>
-        <p:spPr>
-          <a:xfrm>
-            <a:off x="1276502" y="1681913"/>
-            <a:ext cx="3259416" cy="6450217"/>
-          </a:xfrm>
-        </p:spPr>
-      </p:pic>
-      <p:sp>
-        <p:nvSpPr>
-          <p:cNvPr id="12" name="Arrow: Down 11">
-            <a:extLst>
-              <a:ext uri="{FF2B5EF4-FFF2-40B4-BE49-F238E27FC236}">
-                <a16:creationId xmlns:a16="http://schemas.microsoft.com/office/drawing/2014/main" id="{28430295-9563-5D11-56B0-585FAF4A1BDB}"/>
-              </a:ext>
-            </a:extLst>
-          </p:cNvPr>
-          <p:cNvSpPr/>
-          <p:nvPr/>
-        </p:nvSpPr>
-        <p:spPr>
-          <a:xfrm>
-            <a:off x="1276502" y="2866677"/>
-            <a:ext cx="653143" cy="746449"/>
-          </a:xfrm>
-          <a:custGeom>
-            <a:avLst/>
-            <a:gdLst>
-              <a:gd name="connsiteX0" fmla="*/ 0 w 653143"/>
-              <a:gd name="connsiteY0" fmla="*/ 419878 h 746449"/>
-              <a:gd name="connsiteX1" fmla="*/ 163286 w 653143"/>
-              <a:gd name="connsiteY1" fmla="*/ 419878 h 746449"/>
-              <a:gd name="connsiteX2" fmla="*/ 163286 w 653143"/>
-              <a:gd name="connsiteY2" fmla="*/ 0 h 746449"/>
-              <a:gd name="connsiteX3" fmla="*/ 489857 w 653143"/>
-              <a:gd name="connsiteY3" fmla="*/ 0 h 746449"/>
-              <a:gd name="connsiteX4" fmla="*/ 489857 w 653143"/>
-              <a:gd name="connsiteY4" fmla="*/ 419878 h 746449"/>
-              <a:gd name="connsiteX5" fmla="*/ 653143 w 653143"/>
-              <a:gd name="connsiteY5" fmla="*/ 419878 h 746449"/>
-              <a:gd name="connsiteX6" fmla="*/ 326572 w 653143"/>
-              <a:gd name="connsiteY6" fmla="*/ 746449 h 746449"/>
-              <a:gd name="connsiteX7" fmla="*/ 0 w 653143"/>
-              <a:gd name="connsiteY7" fmla="*/ 419878 h 746449"/>
-            </a:gdLst>
-            <a:ahLst/>
-            <a:cxnLst>
-              <a:cxn ang="0">
-                <a:pos x="connsiteX0" y="connsiteY0"/>
-              </a:cxn>
-              <a:cxn ang="0">
-                <a:pos x="connsiteX1" y="connsiteY1"/>
-              </a:cxn>
-              <a:cxn ang="0">
-                <a:pos x="connsiteX2" y="connsiteY2"/>
-              </a:cxn>
-              <a:cxn ang="0">
-                <a:pos x="connsiteX3" y="connsiteY3"/>
-              </a:cxn>
-              <a:cxn ang="0">
-                <a:pos x="connsiteX4" y="connsiteY4"/>
-              </a:cxn>
-              <a:cxn ang="0">
-                <a:pos x="connsiteX5" y="connsiteY5"/>
-              </a:cxn>
-              <a:cxn ang="0">
-                <a:pos x="connsiteX6" y="connsiteY6"/>
-              </a:cxn>
-              <a:cxn ang="0">
-                <a:pos x="connsiteX7" y="connsiteY7"/>
-              </a:cxn>
-            </a:cxnLst>
-            <a:rect l="l" t="t" r="r" b="b"/>
-            <a:pathLst>
-              <a:path w="653143" h="746449" fill="none" extrusionOk="0">
-                <a:moveTo>
-                  <a:pt x="0" y="419878"/>
-                </a:moveTo>
-                <a:cubicBezTo>
-                  <a:pt x="67706" y="418704"/>
-                  <a:pt x="122425" y="426671"/>
-                  <a:pt x="163286" y="419878"/>
-                </a:cubicBezTo>
-                <a:cubicBezTo>
-                  <a:pt x="172420" y="237102"/>
-                  <a:pt x="171188" y="137470"/>
-                  <a:pt x="163286" y="0"/>
-                </a:cubicBezTo>
-                <a:cubicBezTo>
-                  <a:pt x="310187" y="6819"/>
-                  <a:pt x="394195" y="-9676"/>
-                  <a:pt x="489857" y="0"/>
-                </a:cubicBezTo>
-                <a:cubicBezTo>
-                  <a:pt x="503850" y="119090"/>
-                  <a:pt x="479449" y="334391"/>
-                  <a:pt x="489857" y="419878"/>
-                </a:cubicBezTo>
-                <a:cubicBezTo>
-                  <a:pt x="546278" y="418423"/>
-                  <a:pt x="596435" y="421895"/>
-                  <a:pt x="653143" y="419878"/>
-                </a:cubicBezTo>
-                <a:cubicBezTo>
-                  <a:pt x="526696" y="570966"/>
-                  <a:pt x="461136" y="595177"/>
-                  <a:pt x="326572" y="746449"/>
-                </a:cubicBezTo>
-                <a:cubicBezTo>
-                  <a:pt x="267236" y="660267"/>
-                  <a:pt x="103750" y="545513"/>
-                  <a:pt x="0" y="419878"/>
-                </a:cubicBezTo>
-                <a:close/>
-              </a:path>
-              <a:path w="653143" h="746449" stroke="0" extrusionOk="0">
-                <a:moveTo>
-                  <a:pt x="0" y="419878"/>
-                </a:moveTo>
-                <a:cubicBezTo>
-                  <a:pt x="33095" y="420279"/>
-                  <a:pt x="107847" y="422795"/>
-                  <a:pt x="163286" y="419878"/>
-                </a:cubicBezTo>
-                <a:cubicBezTo>
-                  <a:pt x="163745" y="298485"/>
-                  <a:pt x="146457" y="89022"/>
-                  <a:pt x="163286" y="0"/>
-                </a:cubicBezTo>
-                <a:cubicBezTo>
-                  <a:pt x="289079" y="9330"/>
-                  <a:pt x="391540" y="-4956"/>
-                  <a:pt x="489857" y="0"/>
-                </a:cubicBezTo>
-                <a:cubicBezTo>
-                  <a:pt x="489481" y="99048"/>
-                  <a:pt x="505836" y="267660"/>
-                  <a:pt x="489857" y="419878"/>
-                </a:cubicBezTo>
-                <a:cubicBezTo>
-                  <a:pt x="571145" y="427209"/>
-                  <a:pt x="589464" y="419957"/>
-                  <a:pt x="653143" y="419878"/>
-                </a:cubicBezTo>
-                <a:cubicBezTo>
-                  <a:pt x="538725" y="536927"/>
-                  <a:pt x="442686" y="660219"/>
-                  <a:pt x="326572" y="746449"/>
-                </a:cubicBezTo>
-                <a:cubicBezTo>
-                  <a:pt x="190307" y="640743"/>
-                  <a:pt x="61341" y="489478"/>
-                  <a:pt x="0" y="419878"/>
-                </a:cubicBezTo>
-                <a:close/>
-              </a:path>
-            </a:pathLst>
-          </a:custGeom>
-          <a:solidFill>
-            <a:srgbClr val="FFC000"/>
-          </a:solidFill>
-          <a:ln w="19050">
-            <a:solidFill>
-              <a:schemeClr val="tx1"/>
-            </a:solidFill>
-            <a:extLst>
-              <a:ext uri="{C807C97D-BFC1-408E-A445-0C87EB9F89A2}">
-                <ask:lineSketchStyleProps xmlns:ask="http://schemas.microsoft.com/office/drawing/2018/sketchyshapes" sd="820769485">
-                  <a:prstGeom prst="downArrow">
-                    <a:avLst/>
-                  </a:prstGeom>
-                  <ask:type>
-                    <ask:lineSketchFreehand/>
-                  </ask:type>
-                </ask:lineSketchStyleProps>
-              </a:ext>
-            </a:extLst>
-          </a:ln>
-        </p:spPr>
-        <p:style>
-          <a:lnRef idx="2">
-            <a:schemeClr val="accent1">
-              <a:shade val="15000"/>
-            </a:schemeClr>
-          </a:lnRef>
-          <a:fillRef idx="1">
-            <a:schemeClr val="accent1"/>
-          </a:fillRef>
-          <a:effectRef idx="0">
-            <a:schemeClr val="accent1"/>
-          </a:effectRef>
-          <a:fontRef idx="minor">
-            <a:schemeClr val="lt1"/>
-          </a:fontRef>
-        </p:style>
-        <p:txBody>
-          <a:bodyPr rtlCol="0" anchor="ctr"/>
-          <a:lstStyle/>
-          <a:p>
-            <a:pPr algn="ctr"/>
-            <a:endParaRPr lang="en-US"/>
-          </a:p>
-        </p:txBody>
-      </p:sp>
-      <p:sp>
-        <p:nvSpPr>
-          <p:cNvPr id="13" name="Arrow: Down 12">
-            <a:extLst>
-              <a:ext uri="{FF2B5EF4-FFF2-40B4-BE49-F238E27FC236}">
-                <a16:creationId xmlns:a16="http://schemas.microsoft.com/office/drawing/2014/main" id="{99710E75-FFAD-F407-7092-97AA97C35A10}"/>
-              </a:ext>
-            </a:extLst>
-          </p:cNvPr>
-          <p:cNvSpPr/>
-          <p:nvPr/>
-        </p:nvSpPr>
-        <p:spPr>
-          <a:xfrm>
-            <a:off x="1283818" y="6042195"/>
-            <a:ext cx="653143" cy="746449"/>
-          </a:xfrm>
-          <a:custGeom>
-            <a:avLst/>
-            <a:gdLst>
-              <a:gd name="connsiteX0" fmla="*/ 0 w 653143"/>
-              <a:gd name="connsiteY0" fmla="*/ 419878 h 746449"/>
-              <a:gd name="connsiteX1" fmla="*/ 163286 w 653143"/>
-              <a:gd name="connsiteY1" fmla="*/ 419878 h 746449"/>
-              <a:gd name="connsiteX2" fmla="*/ 163286 w 653143"/>
-              <a:gd name="connsiteY2" fmla="*/ 0 h 746449"/>
-              <a:gd name="connsiteX3" fmla="*/ 489857 w 653143"/>
-              <a:gd name="connsiteY3" fmla="*/ 0 h 746449"/>
-              <a:gd name="connsiteX4" fmla="*/ 489857 w 653143"/>
-              <a:gd name="connsiteY4" fmla="*/ 419878 h 746449"/>
-              <a:gd name="connsiteX5" fmla="*/ 653143 w 653143"/>
-              <a:gd name="connsiteY5" fmla="*/ 419878 h 746449"/>
-              <a:gd name="connsiteX6" fmla="*/ 326572 w 653143"/>
-              <a:gd name="connsiteY6" fmla="*/ 746449 h 746449"/>
-              <a:gd name="connsiteX7" fmla="*/ 0 w 653143"/>
-              <a:gd name="connsiteY7" fmla="*/ 419878 h 746449"/>
-            </a:gdLst>
-            <a:ahLst/>
-            <a:cxnLst>
-              <a:cxn ang="0">
-                <a:pos x="connsiteX0" y="connsiteY0"/>
-              </a:cxn>
-              <a:cxn ang="0">
-                <a:pos x="connsiteX1" y="connsiteY1"/>
-              </a:cxn>
-              <a:cxn ang="0">
-                <a:pos x="connsiteX2" y="connsiteY2"/>
-              </a:cxn>
-              <a:cxn ang="0">
-                <a:pos x="connsiteX3" y="connsiteY3"/>
-              </a:cxn>
-              <a:cxn ang="0">
-                <a:pos x="connsiteX4" y="connsiteY4"/>
-              </a:cxn>
-              <a:cxn ang="0">
-                <a:pos x="connsiteX5" y="connsiteY5"/>
-              </a:cxn>
-              <a:cxn ang="0">
-                <a:pos x="connsiteX6" y="connsiteY6"/>
-              </a:cxn>
-              <a:cxn ang="0">
-                <a:pos x="connsiteX7" y="connsiteY7"/>
-              </a:cxn>
-            </a:cxnLst>
-            <a:rect l="l" t="t" r="r" b="b"/>
-            <a:pathLst>
-              <a:path w="653143" h="746449" fill="none" extrusionOk="0">
-                <a:moveTo>
-                  <a:pt x="0" y="419878"/>
-                </a:moveTo>
-                <a:cubicBezTo>
-                  <a:pt x="67706" y="418704"/>
-                  <a:pt x="122425" y="426671"/>
-                  <a:pt x="163286" y="419878"/>
-                </a:cubicBezTo>
-                <a:cubicBezTo>
-                  <a:pt x="172420" y="237102"/>
-                  <a:pt x="171188" y="137470"/>
-                  <a:pt x="163286" y="0"/>
-                </a:cubicBezTo>
-                <a:cubicBezTo>
-                  <a:pt x="310187" y="6819"/>
-                  <a:pt x="394195" y="-9676"/>
-                  <a:pt x="489857" y="0"/>
-                </a:cubicBezTo>
-                <a:cubicBezTo>
-                  <a:pt x="503850" y="119090"/>
-                  <a:pt x="479449" y="334391"/>
-                  <a:pt x="489857" y="419878"/>
-                </a:cubicBezTo>
-                <a:cubicBezTo>
-                  <a:pt x="546278" y="418423"/>
-                  <a:pt x="596435" y="421895"/>
-                  <a:pt x="653143" y="419878"/>
-                </a:cubicBezTo>
-                <a:cubicBezTo>
-                  <a:pt x="526696" y="570966"/>
-                  <a:pt x="461136" y="595177"/>
-                  <a:pt x="326572" y="746449"/>
-                </a:cubicBezTo>
-                <a:cubicBezTo>
-                  <a:pt x="267236" y="660267"/>
-                  <a:pt x="103750" y="545513"/>
-                  <a:pt x="0" y="419878"/>
-                </a:cubicBezTo>
-                <a:close/>
-              </a:path>
-              <a:path w="653143" h="746449" stroke="0" extrusionOk="0">
-                <a:moveTo>
-                  <a:pt x="0" y="419878"/>
-                </a:moveTo>
-                <a:cubicBezTo>
-                  <a:pt x="33095" y="420279"/>
-                  <a:pt x="107847" y="422795"/>
-                  <a:pt x="163286" y="419878"/>
-                </a:cubicBezTo>
-                <a:cubicBezTo>
-                  <a:pt x="163745" y="298485"/>
-                  <a:pt x="146457" y="89022"/>
-                  <a:pt x="163286" y="0"/>
-                </a:cubicBezTo>
-                <a:cubicBezTo>
-                  <a:pt x="289079" y="9330"/>
-                  <a:pt x="391540" y="-4956"/>
-                  <a:pt x="489857" y="0"/>
-                </a:cubicBezTo>
-                <a:cubicBezTo>
-                  <a:pt x="489481" y="99048"/>
-                  <a:pt x="505836" y="267660"/>
-                  <a:pt x="489857" y="419878"/>
-                </a:cubicBezTo>
-                <a:cubicBezTo>
-                  <a:pt x="571145" y="427209"/>
-                  <a:pt x="589464" y="419957"/>
-                  <a:pt x="653143" y="419878"/>
-                </a:cubicBezTo>
-                <a:cubicBezTo>
-                  <a:pt x="538725" y="536927"/>
-                  <a:pt x="442686" y="660219"/>
-                  <a:pt x="326572" y="746449"/>
-                </a:cubicBezTo>
-                <a:cubicBezTo>
-                  <a:pt x="190307" y="640743"/>
-                  <a:pt x="61341" y="489478"/>
-                  <a:pt x="0" y="419878"/>
-                </a:cubicBezTo>
-                <a:close/>
-              </a:path>
-            </a:pathLst>
-          </a:custGeom>
-          <a:solidFill>
-            <a:srgbClr val="FFC000"/>
-          </a:solidFill>
-          <a:ln w="19050">
-            <a:solidFill>
-              <a:schemeClr val="tx1"/>
-            </a:solidFill>
-            <a:extLst>
-              <a:ext uri="{C807C97D-BFC1-408E-A445-0C87EB9F89A2}">
-                <ask:lineSketchStyleProps xmlns:ask="http://schemas.microsoft.com/office/drawing/2018/sketchyshapes" sd="820769485">
-                  <a:prstGeom prst="downArrow">
-                    <a:avLst/>
-                  </a:prstGeom>
-                  <ask:type>
-                    <ask:lineSketchFreehand/>
-                  </ask:type>
-                </ask:lineSketchStyleProps>
-              </a:ext>
-            </a:extLst>
-          </a:ln>
-        </p:spPr>
-        <p:style>
-          <a:lnRef idx="2">
-            <a:schemeClr val="accent1">
-              <a:shade val="15000"/>
-            </a:schemeClr>
-          </a:lnRef>
-          <a:fillRef idx="1">
-            <a:schemeClr val="accent1"/>
-          </a:fillRef>
-          <a:effectRef idx="0">
-            <a:schemeClr val="accent1"/>
-          </a:effectRef>
-          <a:fontRef idx="minor">
-            <a:schemeClr val="lt1"/>
-          </a:fontRef>
-        </p:style>
-        <p:txBody>
-          <a:bodyPr rtlCol="0" anchor="ctr"/>
-          <a:lstStyle/>
-          <a:p>
-            <a:pPr algn="ctr"/>
-            <a:endParaRPr lang="en-US"/>
-          </a:p>
-        </p:txBody>
-      </p:sp>
-      <p:pic>
-        <p:nvPicPr>
-          <p:cNvPr id="15" name="Picture 14">
-            <a:extLst>
-              <a:ext uri="{FF2B5EF4-FFF2-40B4-BE49-F238E27FC236}">
-                <a16:creationId xmlns:a16="http://schemas.microsoft.com/office/drawing/2014/main" id="{4BD6FD6B-ACE8-4B56-3133-F499396ABBE5}"/>
-              </a:ext>
-            </a:extLst>
-          </p:cNvPr>
-          <p:cNvPicPr>
-            <a:picLocks noChangeAspect="1"/>
-          </p:cNvPicPr>
-          <p:nvPr/>
-        </p:nvPicPr>
-        <p:blipFill rotWithShape="1">
-          <a:blip r:embed="rId3">
-            <a:extLst>
-              <a:ext uri="{28A0092B-C50C-407E-A947-70E740481C1C}">
-                <a14:useLocalDpi xmlns:a14="http://schemas.microsoft.com/office/drawing/2010/main" val="0"/>
-              </a:ext>
-            </a:extLst>
-          </a:blip>
-          <a:srcRect l="-1" t="12245" r="-390" b="9377"/>
-          <a:stretch/>
-        </p:blipFill>
-        <p:spPr>
-          <a:xfrm>
-            <a:off x="5456309" y="1681911"/>
-            <a:ext cx="3717782" cy="6450217"/>
-          </a:xfrm>
-          <a:prstGeom prst="rect">
-            <a:avLst/>
-          </a:prstGeom>
-        </p:spPr>
-      </p:pic>
-      <p:sp>
-        <p:nvSpPr>
-          <p:cNvPr id="16" name="Arrow: Down 15">
-            <a:extLst>
-              <a:ext uri="{FF2B5EF4-FFF2-40B4-BE49-F238E27FC236}">
-                <a16:creationId xmlns:a16="http://schemas.microsoft.com/office/drawing/2014/main" id="{8E078CBD-255F-AF61-EF34-869E2CC8DC1C}"/>
-              </a:ext>
-            </a:extLst>
-          </p:cNvPr>
-          <p:cNvSpPr/>
-          <p:nvPr/>
-        </p:nvSpPr>
-        <p:spPr>
-          <a:xfrm>
-            <a:off x="5426217" y="2732005"/>
-            <a:ext cx="653143" cy="746449"/>
-          </a:xfrm>
-          <a:custGeom>
-            <a:avLst/>
-            <a:gdLst>
-              <a:gd name="connsiteX0" fmla="*/ 0 w 653143"/>
-              <a:gd name="connsiteY0" fmla="*/ 419878 h 746449"/>
-              <a:gd name="connsiteX1" fmla="*/ 163286 w 653143"/>
-              <a:gd name="connsiteY1" fmla="*/ 419878 h 746449"/>
-              <a:gd name="connsiteX2" fmla="*/ 163286 w 653143"/>
-              <a:gd name="connsiteY2" fmla="*/ 0 h 746449"/>
-              <a:gd name="connsiteX3" fmla="*/ 489857 w 653143"/>
-              <a:gd name="connsiteY3" fmla="*/ 0 h 746449"/>
-              <a:gd name="connsiteX4" fmla="*/ 489857 w 653143"/>
-              <a:gd name="connsiteY4" fmla="*/ 419878 h 746449"/>
-              <a:gd name="connsiteX5" fmla="*/ 653143 w 653143"/>
-              <a:gd name="connsiteY5" fmla="*/ 419878 h 746449"/>
-              <a:gd name="connsiteX6" fmla="*/ 326572 w 653143"/>
-              <a:gd name="connsiteY6" fmla="*/ 746449 h 746449"/>
-              <a:gd name="connsiteX7" fmla="*/ 0 w 653143"/>
-              <a:gd name="connsiteY7" fmla="*/ 419878 h 746449"/>
-            </a:gdLst>
-            <a:ahLst/>
-            <a:cxnLst>
-              <a:cxn ang="0">
-                <a:pos x="connsiteX0" y="connsiteY0"/>
-              </a:cxn>
-              <a:cxn ang="0">
-                <a:pos x="connsiteX1" y="connsiteY1"/>
-              </a:cxn>
-              <a:cxn ang="0">
-                <a:pos x="connsiteX2" y="connsiteY2"/>
-              </a:cxn>
-              <a:cxn ang="0">
-                <a:pos x="connsiteX3" y="connsiteY3"/>
-              </a:cxn>
-              <a:cxn ang="0">
-                <a:pos x="connsiteX4" y="connsiteY4"/>
-              </a:cxn>
-              <a:cxn ang="0">
-                <a:pos x="connsiteX5" y="connsiteY5"/>
-              </a:cxn>
-              <a:cxn ang="0">
-                <a:pos x="connsiteX6" y="connsiteY6"/>
-              </a:cxn>
-              <a:cxn ang="0">
-                <a:pos x="connsiteX7" y="connsiteY7"/>
-              </a:cxn>
-            </a:cxnLst>
-            <a:rect l="l" t="t" r="r" b="b"/>
-            <a:pathLst>
-              <a:path w="653143" h="746449" fill="none" extrusionOk="0">
-                <a:moveTo>
-                  <a:pt x="0" y="419878"/>
-                </a:moveTo>
-                <a:cubicBezTo>
-                  <a:pt x="67706" y="418704"/>
-                  <a:pt x="122425" y="426671"/>
-                  <a:pt x="163286" y="419878"/>
-                </a:cubicBezTo>
-                <a:cubicBezTo>
-                  <a:pt x="172420" y="237102"/>
-                  <a:pt x="171188" y="137470"/>
-                  <a:pt x="163286" y="0"/>
-                </a:cubicBezTo>
-                <a:cubicBezTo>
-                  <a:pt x="310187" y="6819"/>
-                  <a:pt x="394195" y="-9676"/>
-                  <a:pt x="489857" y="0"/>
-                </a:cubicBezTo>
-                <a:cubicBezTo>
-                  <a:pt x="503850" y="119090"/>
-                  <a:pt x="479449" y="334391"/>
-                  <a:pt x="489857" y="419878"/>
-                </a:cubicBezTo>
-                <a:cubicBezTo>
-                  <a:pt x="546278" y="418423"/>
-                  <a:pt x="596435" y="421895"/>
-                  <a:pt x="653143" y="419878"/>
-                </a:cubicBezTo>
-                <a:cubicBezTo>
-                  <a:pt x="526696" y="570966"/>
-                  <a:pt x="461136" y="595177"/>
-                  <a:pt x="326572" y="746449"/>
-                </a:cubicBezTo>
-                <a:cubicBezTo>
-                  <a:pt x="267236" y="660267"/>
-                  <a:pt x="103750" y="545513"/>
-                  <a:pt x="0" y="419878"/>
-                </a:cubicBezTo>
-                <a:close/>
-              </a:path>
-              <a:path w="653143" h="746449" stroke="0" extrusionOk="0">
-                <a:moveTo>
-                  <a:pt x="0" y="419878"/>
-                </a:moveTo>
-                <a:cubicBezTo>
-                  <a:pt x="33095" y="420279"/>
-                  <a:pt x="107847" y="422795"/>
-                  <a:pt x="163286" y="419878"/>
-                </a:cubicBezTo>
-                <a:cubicBezTo>
-                  <a:pt x="163745" y="298485"/>
-                  <a:pt x="146457" y="89022"/>
-                  <a:pt x="163286" y="0"/>
-                </a:cubicBezTo>
-                <a:cubicBezTo>
-                  <a:pt x="289079" y="9330"/>
-                  <a:pt x="391540" y="-4956"/>
-                  <a:pt x="489857" y="0"/>
-                </a:cubicBezTo>
-                <a:cubicBezTo>
-                  <a:pt x="489481" y="99048"/>
-                  <a:pt x="505836" y="267660"/>
-                  <a:pt x="489857" y="419878"/>
-                </a:cubicBezTo>
-                <a:cubicBezTo>
-                  <a:pt x="571145" y="427209"/>
-                  <a:pt x="589464" y="419957"/>
-                  <a:pt x="653143" y="419878"/>
-                </a:cubicBezTo>
-                <a:cubicBezTo>
-                  <a:pt x="538725" y="536927"/>
-                  <a:pt x="442686" y="660219"/>
-                  <a:pt x="326572" y="746449"/>
-                </a:cubicBezTo>
-                <a:cubicBezTo>
-                  <a:pt x="190307" y="640743"/>
-                  <a:pt x="61341" y="489478"/>
-                  <a:pt x="0" y="419878"/>
-                </a:cubicBezTo>
-                <a:close/>
-              </a:path>
-            </a:pathLst>
-          </a:custGeom>
-          <a:solidFill>
-            <a:srgbClr val="FFC000"/>
-          </a:solidFill>
-          <a:ln w="19050">
-            <a:solidFill>
-              <a:schemeClr val="tx1"/>
-            </a:solidFill>
-            <a:extLst>
-              <a:ext uri="{C807C97D-BFC1-408E-A445-0C87EB9F89A2}">
-                <ask:lineSketchStyleProps xmlns:ask="http://schemas.microsoft.com/office/drawing/2018/sketchyshapes" sd="820769485">
-                  <a:prstGeom prst="downArrow">
-                    <a:avLst/>
-                  </a:prstGeom>
-                  <ask:type>
-                    <ask:lineSketchFreehand/>
-                  </ask:type>
-                </ask:lineSketchStyleProps>
-              </a:ext>
-            </a:extLst>
-          </a:ln>
-        </p:spPr>
-        <p:style>
-          <a:lnRef idx="2">
-            <a:schemeClr val="accent1">
-              <a:shade val="15000"/>
-            </a:schemeClr>
-          </a:lnRef>
-          <a:fillRef idx="1">
-            <a:schemeClr val="accent1"/>
-          </a:fillRef>
-          <a:effectRef idx="0">
-            <a:schemeClr val="accent1"/>
-          </a:effectRef>
-          <a:fontRef idx="minor">
-            <a:schemeClr val="lt1"/>
-          </a:fontRef>
-        </p:style>
-        <p:txBody>
-          <a:bodyPr rtlCol="0" anchor="ctr"/>
-          <a:lstStyle/>
-          <a:p>
-            <a:pPr algn="ctr"/>
-            <a:endParaRPr lang="en-US" dirty="0"/>
-          </a:p>
-        </p:txBody>
-      </p:sp>
-      <p:pic>
-        <p:nvPicPr>
-          <p:cNvPr id="18" name="Picture 17">
-            <a:extLst>
-              <a:ext uri="{FF2B5EF4-FFF2-40B4-BE49-F238E27FC236}">
-                <a16:creationId xmlns:a16="http://schemas.microsoft.com/office/drawing/2014/main" id="{C6A21A80-9496-EA88-AF55-8A8763E0D283}"/>
-              </a:ext>
-            </a:extLst>
-          </p:cNvPr>
-          <p:cNvPicPr>
-            <a:picLocks noChangeAspect="1"/>
-          </p:cNvPicPr>
-          <p:nvPr/>
-        </p:nvPicPr>
-        <p:blipFill rotWithShape="1">
-          <a:blip r:embed="rId4">
-            <a:extLst>
-              <a:ext uri="{28A0092B-C50C-407E-A947-70E740481C1C}">
-                <a14:useLocalDpi xmlns:a14="http://schemas.microsoft.com/office/drawing/2010/main" val="0"/>
-              </a:ext>
-            </a:extLst>
-          </a:blip>
-          <a:srcRect t="5193" b="16428"/>
-          <a:stretch/>
-        </p:blipFill>
-        <p:spPr>
-          <a:xfrm>
-            <a:off x="9900490" y="1681912"/>
-            <a:ext cx="3703320" cy="6450217"/>
-          </a:xfrm>
-          <a:prstGeom prst="rect">
-            <a:avLst/>
-          </a:prstGeom>
-        </p:spPr>
-      </p:pic>
-    </p:spTree>
-    <p:extLst>
-      <p:ext uri="{BB962C8B-B14F-4D97-AF65-F5344CB8AC3E}">
-        <p14:creationId xmlns:p14="http://schemas.microsoft.com/office/powerpoint/2010/main" val="3722519580"/>
-      </p:ext>
-    </p:extLst>
-  </p:cSld>
-  <p:clrMapOvr>
-    <a:masterClrMapping/>
-  </p:clrMapOvr>
-  <p:timing>
-    <p:tnLst>
-      <p:par>
-        <p:cTn id="1" dur="indefinite" restart="never" nodeType="tmRoot">
-          <p:childTnLst>
-            <p:seq concurrent="1" nextAc="seek">
-              <p:cTn id="2" dur="indefinite" nodeType="mainSeq">
-                <p:childTnLst>
-                  <p:par>
-                    <p:cTn id="3" fill="hold">
-                      <p:stCondLst>
-                        <p:cond delay="indefinite"/>
-                      </p:stCondLst>
-                      <p:childTnLst>
-                        <p:par>
-                          <p:cTn id="4" fill="hold">
-                            <p:stCondLst>
-                              <p:cond delay="0"/>
-                            </p:stCondLst>
-                            <p:childTnLst>
-                              <p:par>
-                                <p:cTn id="5" presetID="10" presetClass="entr" presetSubtype="0" fill="hold" nodeType="clickEffect">
-                                  <p:stCondLst>
-                                    <p:cond delay="0"/>
-                                  </p:stCondLst>
-                                  <p:childTnLst>
-                                    <p:set>
-                                      <p:cBhvr>
-                                        <p:cTn id="6" dur="1" fill="hold">
-                                          <p:stCondLst>
-                                            <p:cond delay="0"/>
-                                          </p:stCondLst>
-                                        </p:cTn>
-                                        <p:tgtEl>
-                                          <p:spTgt spid="11"/>
-                                        </p:tgtEl>
-                                        <p:attrNameLst>
-                                          <p:attrName>style.visibility</p:attrName>
-                                        </p:attrNameLst>
-                                      </p:cBhvr>
-                                      <p:to>
-                                        <p:strVal val="visible"/>
-                                      </p:to>
-                                    </p:set>
-                                    <p:animEffect transition="in" filter="fade">
-                                      <p:cBhvr>
-                                        <p:cTn id="7" dur="500"/>
-                                        <p:tgtEl>
-                                          <p:spTgt spid="11"/>
-                                        </p:tgtEl>
-                                      </p:cBhvr>
-                                    </p:animEffect>
-                                  </p:childTnLst>
-                                </p:cTn>
-                              </p:par>
-                            </p:childTnLst>
-                          </p:cTn>
-                        </p:par>
-                      </p:childTnLst>
-                    </p:cTn>
-                  </p:par>
-                  <p:par>
-                    <p:cTn id="8" fill="hold">
-                      <p:stCondLst>
-                        <p:cond delay="indefinite"/>
-                      </p:stCondLst>
-                      <p:childTnLst>
-                        <p:par>
-                          <p:cTn id="9" fill="hold">
-                            <p:stCondLst>
-                              <p:cond delay="0"/>
-                            </p:stCondLst>
-                            <p:childTnLst>
-                              <p:par>
-                                <p:cTn id="10" presetID="6" presetClass="entr" presetSubtype="16" fill="hold" grpId="0" nodeType="clickEffect">
-                                  <p:stCondLst>
-                                    <p:cond delay="0"/>
-                                  </p:stCondLst>
-                                  <p:childTnLst>
-                                    <p:set>
-                                      <p:cBhvr>
-                                        <p:cTn id="11" dur="1" fill="hold">
-                                          <p:stCondLst>
-                                            <p:cond delay="0"/>
-                                          </p:stCondLst>
-                                        </p:cTn>
-                                        <p:tgtEl>
-                                          <p:spTgt spid="12"/>
-                                        </p:tgtEl>
-                                        <p:attrNameLst>
-                                          <p:attrName>style.visibility</p:attrName>
-                                        </p:attrNameLst>
-                                      </p:cBhvr>
-                                      <p:to>
-                                        <p:strVal val="visible"/>
-                                      </p:to>
-                                    </p:set>
-                                    <p:animEffect transition="in" filter="circle(in)">
-                                      <p:cBhvr>
-                                        <p:cTn id="12" dur="2000"/>
-                                        <p:tgtEl>
-                                          <p:spTgt spid="12"/>
-                                        </p:tgtEl>
-                                      </p:cBhvr>
-                                    </p:animEffect>
-                                  </p:childTnLst>
-                                </p:cTn>
-                              </p:par>
-                            </p:childTnLst>
-                          </p:cTn>
-                        </p:par>
-                      </p:childTnLst>
-                    </p:cTn>
-                  </p:par>
-                  <p:par>
-                    <p:cTn id="13" fill="hold">
-                      <p:stCondLst>
-                        <p:cond delay="indefinite"/>
-                      </p:stCondLst>
-                      <p:childTnLst>
-                        <p:par>
-                          <p:cTn id="14" fill="hold">
-                            <p:stCondLst>
-                              <p:cond delay="0"/>
-                            </p:stCondLst>
-                            <p:childTnLst>
-                              <p:par>
-                                <p:cTn id="15" presetID="6" presetClass="entr" presetSubtype="16" fill="hold" grpId="0" nodeType="clickEffect">
-                                  <p:stCondLst>
-                                    <p:cond delay="0"/>
-                                  </p:stCondLst>
-                                  <p:childTnLst>
-                                    <p:set>
-                                      <p:cBhvr>
-                                        <p:cTn id="16" dur="1" fill="hold">
-                                          <p:stCondLst>
-                                            <p:cond delay="0"/>
-                                          </p:stCondLst>
-                                        </p:cTn>
-                                        <p:tgtEl>
-                                          <p:spTgt spid="13"/>
-                                        </p:tgtEl>
-                                        <p:attrNameLst>
-                                          <p:attrName>style.visibility</p:attrName>
-                                        </p:attrNameLst>
-                                      </p:cBhvr>
-                                      <p:to>
-                                        <p:strVal val="visible"/>
-                                      </p:to>
-                                    </p:set>
-                                    <p:animEffect transition="in" filter="circle(in)">
-                                      <p:cBhvr>
-                                        <p:cTn id="17" dur="2000"/>
-                                        <p:tgtEl>
-                                          <p:spTgt spid="13"/>
-                                        </p:tgtEl>
-                                      </p:cBhvr>
-                                    </p:animEffect>
-                                  </p:childTnLst>
-                                </p:cTn>
-                              </p:par>
-                            </p:childTnLst>
-                          </p:cTn>
-                        </p:par>
-                      </p:childTnLst>
-                    </p:cTn>
-                  </p:par>
-                  <p:par>
-                    <p:cTn id="18" fill="hold">
-                      <p:stCondLst>
-                        <p:cond delay="indefinite"/>
-                      </p:stCondLst>
-                      <p:childTnLst>
-                        <p:par>
-                          <p:cTn id="19" fill="hold">
-                            <p:stCondLst>
-                              <p:cond delay="0"/>
-                            </p:stCondLst>
-                            <p:childTnLst>
-                              <p:par>
-                                <p:cTn id="20" presetID="10" presetClass="entr" presetSubtype="0" fill="hold" nodeType="clickEffect">
-                                  <p:stCondLst>
-                                    <p:cond delay="0"/>
-                                  </p:stCondLst>
-                                  <p:childTnLst>
-                                    <p:set>
-                                      <p:cBhvr>
-                                        <p:cTn id="21" dur="1" fill="hold">
-                                          <p:stCondLst>
-                                            <p:cond delay="0"/>
-                                          </p:stCondLst>
-                                        </p:cTn>
-                                        <p:tgtEl>
-                                          <p:spTgt spid="15"/>
-                                        </p:tgtEl>
-                                        <p:attrNameLst>
-                                          <p:attrName>style.visibility</p:attrName>
-                                        </p:attrNameLst>
-                                      </p:cBhvr>
-                                      <p:to>
-                                        <p:strVal val="visible"/>
-                                      </p:to>
-                                    </p:set>
-                                    <p:animEffect transition="in" filter="fade">
-                                      <p:cBhvr>
-                                        <p:cTn id="22" dur="500"/>
-                                        <p:tgtEl>
-                                          <p:spTgt spid="15"/>
-                                        </p:tgtEl>
-                                      </p:cBhvr>
-                                    </p:animEffect>
-                                  </p:childTnLst>
-                                </p:cTn>
-                              </p:par>
-                            </p:childTnLst>
-                          </p:cTn>
-                        </p:par>
-                      </p:childTnLst>
-                    </p:cTn>
-                  </p:par>
-                  <p:par>
-                    <p:cTn id="23" fill="hold">
-                      <p:stCondLst>
-                        <p:cond delay="indefinite"/>
-                      </p:stCondLst>
-                      <p:childTnLst>
-                        <p:par>
-                          <p:cTn id="24" fill="hold">
-                            <p:stCondLst>
-                              <p:cond delay="0"/>
-                            </p:stCondLst>
-                            <p:childTnLst>
-                              <p:par>
-                                <p:cTn id="25" presetID="6" presetClass="entr" presetSubtype="16" fill="hold" grpId="0" nodeType="clickEffect">
-                                  <p:stCondLst>
-                                    <p:cond delay="0"/>
-                                  </p:stCondLst>
-                                  <p:childTnLst>
-                                    <p:set>
-                                      <p:cBhvr>
-                                        <p:cTn id="26" dur="1" fill="hold">
-                                          <p:stCondLst>
-                                            <p:cond delay="0"/>
-                                          </p:stCondLst>
-                                        </p:cTn>
-                                        <p:tgtEl>
-                                          <p:spTgt spid="16"/>
-                                        </p:tgtEl>
-                                        <p:attrNameLst>
-                                          <p:attrName>style.visibility</p:attrName>
-                                        </p:attrNameLst>
-                                      </p:cBhvr>
-                                      <p:to>
-                                        <p:strVal val="visible"/>
-                                      </p:to>
-                                    </p:set>
-                                    <p:animEffect transition="in" filter="circle(in)">
-                                      <p:cBhvr>
-                                        <p:cTn id="27" dur="2000"/>
-                                        <p:tgtEl>
-                                          <p:spTgt spid="16"/>
-                                        </p:tgtEl>
-                                      </p:cBhvr>
-                                    </p:animEffect>
-                                  </p:childTnLst>
-                                </p:cTn>
-                              </p:par>
-                            </p:childTnLst>
-                          </p:cTn>
-                        </p:par>
-                      </p:childTnLst>
-                    </p:cTn>
-                  </p:par>
-                  <p:par>
-                    <p:cTn id="28" fill="hold">
-                      <p:stCondLst>
-                        <p:cond delay="indefinite"/>
-                      </p:stCondLst>
-                      <p:childTnLst>
-                        <p:par>
-                          <p:cTn id="29" fill="hold">
-                            <p:stCondLst>
-                              <p:cond delay="0"/>
-                            </p:stCondLst>
-                            <p:childTnLst>
-                              <p:par>
-                                <p:cTn id="30" presetID="10" presetClass="entr" presetSubtype="0" fill="hold" nodeType="clickEffect">
-                                  <p:stCondLst>
-                                    <p:cond delay="0"/>
-                                  </p:stCondLst>
-                                  <p:childTnLst>
-                                    <p:set>
-                                      <p:cBhvr>
-                                        <p:cTn id="31" dur="1" fill="hold">
-                                          <p:stCondLst>
-                                            <p:cond delay="0"/>
-                                          </p:stCondLst>
-                                        </p:cTn>
-                                        <p:tgtEl>
-                                          <p:spTgt spid="18"/>
-                                        </p:tgtEl>
-                                        <p:attrNameLst>
-                                          <p:attrName>style.visibility</p:attrName>
-                                        </p:attrNameLst>
-                                      </p:cBhvr>
-                                      <p:to>
-                                        <p:strVal val="visible"/>
-                                      </p:to>
-                                    </p:set>
-                                    <p:animEffect transition="in" filter="fade">
-                                      <p:cBhvr>
-                                        <p:cTn id="32" dur="500"/>
-                                        <p:tgtEl>
-                                          <p:spTgt spid="18"/>
-                                        </p:tgtEl>
-                                      </p:cBhvr>
-                                    </p:animEffect>
-                                  </p:childTnLst>
-                                </p:cTn>
-                              </p:par>
-                            </p:childTnLst>
-                          </p:cTn>
-                        </p:par>
-                      </p:childTnLst>
-                    </p:cTn>
-                  </p:par>
-                </p:childTnLst>
-              </p:cTn>
-              <p:prevCondLst>
-                <p:cond evt="onPrev" delay="0">
-                  <p:tgtEl>
-                    <p:sldTgt/>
-                  </p:tgtEl>
-                </p:cond>
-              </p:prevCondLst>
-              <p:nextCondLst>
-                <p:cond evt="onNext" delay="0">
-                  <p:tgtEl>
-                    <p:sldTgt/>
-                  </p:tgtEl>
-                </p:cond>
-              </p:nextCondLst>
-            </p:seq>
-          </p:childTnLst>
-        </p:cTn>
-      </p:par>
-    </p:tnLst>
-    <p:bldLst>
-      <p:bldP spid="12" grpId="0" animBg="1"/>
-      <p:bldP spid="13" grpId="0" animBg="1"/>
-      <p:bldP spid="16" grpId="0" animBg="1"/>
-    </p:bldLst>
-  </p:timing>
-</p:sld>
-</file>
-
-<file path=ppt/slides/slide18.xml><?xml version="1.0" encoding="utf-8"?>
-<p:sld xmlns:a="http://schemas.openxmlformats.org/drawingml/2006/main" xmlns:r="http://schemas.openxmlformats.org/officeDocument/2006/relationships" xmlns:p="http://schemas.openxmlformats.org/presentationml/2006/main">
-  <p:cSld>
-    <p:spTree>
-      <p:nvGrpSpPr>
-        <p:cNvPr id="1" name=""/>
-        <p:cNvGrpSpPr/>
-        <p:nvPr/>
-      </p:nvGrpSpPr>
-      <p:grpSpPr>
-        <a:xfrm>
-          <a:off x="0" y="0"/>
-          <a:ext cx="0" cy="0"/>
-          <a:chOff x="0" y="0"/>
-          <a:chExt cx="0" cy="0"/>
-        </a:xfrm>
-      </p:grpSpPr>
-      <p:sp>
-        <p:nvSpPr>
-          <p:cNvPr id="2" name="Title 1">
-            <a:extLst>
-              <a:ext uri="{FF2B5EF4-FFF2-40B4-BE49-F238E27FC236}">
-                <a16:creationId xmlns:a16="http://schemas.microsoft.com/office/drawing/2014/main" id="{AE3CE8B8-8455-1913-31F5-C8A759952E32}"/>
-              </a:ext>
-            </a:extLst>
-          </p:cNvPr>
-          <p:cNvSpPr>
-            <a:spLocks noGrp="1"/>
-          </p:cNvSpPr>
-          <p:nvPr>
-            <p:ph type="title"/>
-          </p:nvPr>
-        </p:nvSpPr>
-        <p:spPr>
-          <a:xfrm>
-            <a:off x="1283818" y="97470"/>
-            <a:ext cx="12070080" cy="1931213"/>
-          </a:xfrm>
-        </p:spPr>
-        <p:txBody>
-          <a:bodyPr/>
-          <a:lstStyle/>
-          <a:p>
-            <a:r>
-              <a:rPr lang="en-US" dirty="0"/>
               <a:t>Video tutorial</a:t>
             </a:r>
           </a:p>
@@ -24098,7 +22112,7 @@
 </p:sld>
 </file>
 
-<file path=ppt/slides/slide19.xml><?xml version="1.0" encoding="utf-8"?>
+<file path=ppt/slides/slide17.xml><?xml version="1.0" encoding="utf-8"?>
 <p:sld xmlns:a="http://schemas.openxmlformats.org/drawingml/2006/main" xmlns:r="http://schemas.openxmlformats.org/officeDocument/2006/relationships" xmlns:p="http://schemas.openxmlformats.org/presentationml/2006/main">
   <p:cSld>
     <p:spTree>
@@ -27617,422 +25631,7 @@
 </p:sld>
 </file>
 
-<file path=ppt/slides/slide2.xml><?xml version="1.0" encoding="utf-8"?>
-<p:sld xmlns:a="http://schemas.openxmlformats.org/drawingml/2006/main" xmlns:r="http://schemas.openxmlformats.org/officeDocument/2006/relationships" xmlns:p="http://schemas.openxmlformats.org/presentationml/2006/main">
-  <p:cSld>
-    <p:spTree>
-      <p:nvGrpSpPr>
-        <p:cNvPr id="1" name=""/>
-        <p:cNvGrpSpPr/>
-        <p:nvPr/>
-      </p:nvGrpSpPr>
-      <p:grpSpPr>
-        <a:xfrm>
-          <a:off x="0" y="0"/>
-          <a:ext cx="0" cy="0"/>
-          <a:chOff x="0" y="0"/>
-          <a:chExt cx="0" cy="0"/>
-        </a:xfrm>
-      </p:grpSpPr>
-      <p:sp>
-        <p:nvSpPr>
-          <p:cNvPr id="2" name="Title 1">
-            <a:extLst>
-              <a:ext uri="{FF2B5EF4-FFF2-40B4-BE49-F238E27FC236}">
-                <a16:creationId xmlns:a16="http://schemas.microsoft.com/office/drawing/2014/main" id="{AE3CE8B8-8455-1913-31F5-C8A759952E32}"/>
-              </a:ext>
-            </a:extLst>
-          </p:cNvPr>
-          <p:cNvSpPr>
-            <a:spLocks noGrp="1"/>
-          </p:cNvSpPr>
-          <p:nvPr>
-            <p:ph type="title"/>
-          </p:nvPr>
-        </p:nvSpPr>
-        <p:spPr>
-          <a:xfrm>
-            <a:off x="1283818" y="97470"/>
-            <a:ext cx="12070080" cy="1931213"/>
-          </a:xfrm>
-        </p:spPr>
-        <p:txBody>
-          <a:bodyPr/>
-          <a:lstStyle/>
-          <a:p>
-            <a:r>
-              <a:rPr lang="en-US" dirty="0"/>
-              <a:t>Normal Distribution</a:t>
-            </a:r>
-          </a:p>
-        </p:txBody>
-      </p:sp>
-      <p:sp>
-        <p:nvSpPr>
-          <p:cNvPr id="3" name="Content Placeholder 2">
-            <a:extLst>
-              <a:ext uri="{FF2B5EF4-FFF2-40B4-BE49-F238E27FC236}">
-                <a16:creationId xmlns:a16="http://schemas.microsoft.com/office/drawing/2014/main" id="{EFDA7E4E-919B-F425-BAF9-7D2CFB21E498}"/>
-              </a:ext>
-            </a:extLst>
-          </p:cNvPr>
-          <p:cNvSpPr>
-            <a:spLocks noGrp="1"/>
-          </p:cNvSpPr>
-          <p:nvPr>
-            <p:ph sz="quarter" idx="13"/>
-          </p:nvPr>
-        </p:nvSpPr>
-        <p:spPr>
-          <a:xfrm>
-            <a:off x="1096529" y="2123351"/>
-            <a:ext cx="12436591" cy="4993066"/>
-          </a:xfrm>
-        </p:spPr>
-        <p:txBody>
-          <a:bodyPr>
-            <a:normAutofit/>
-          </a:bodyPr>
-          <a:lstStyle/>
-          <a:p>
-            <a:r>
-              <a:rPr lang="en-US" sz="3200" dirty="0"/>
-              <a:t>Normal distribution is a probability distribution that is </a:t>
-            </a:r>
-            <a:r>
-              <a:rPr lang="en-US" sz="3200" dirty="0">
-                <a:solidFill>
-                  <a:srgbClr val="FF0000"/>
-                </a:solidFill>
-              </a:rPr>
-              <a:t>symmetric</a:t>
-            </a:r>
-            <a:r>
-              <a:rPr lang="en-US" sz="3200" dirty="0"/>
-              <a:t> about the mean</a:t>
-            </a:r>
-          </a:p>
-          <a:p>
-            <a:endParaRPr lang="en-US" sz="3200" dirty="0"/>
-          </a:p>
-          <a:p>
-            <a:r>
-              <a:rPr lang="en-US" sz="3200" dirty="0"/>
-              <a:t>Also known as the Gaussian distribution</a:t>
-            </a:r>
-          </a:p>
-        </p:txBody>
-      </p:sp>
-      <p:pic>
-        <p:nvPicPr>
-          <p:cNvPr id="1026" name="Picture 2" descr="Types of Frequency Distribution | Nave">
-            <a:extLst>
-              <a:ext uri="{FF2B5EF4-FFF2-40B4-BE49-F238E27FC236}">
-                <a16:creationId xmlns:a16="http://schemas.microsoft.com/office/drawing/2014/main" id="{6EA3F65A-C92E-BAAE-DDDF-B091BE60C8FB}"/>
-              </a:ext>
-            </a:extLst>
-          </p:cNvPr>
-          <p:cNvPicPr>
-            <a:picLocks noChangeAspect="1" noChangeArrowheads="1"/>
-          </p:cNvPicPr>
-          <p:nvPr/>
-        </p:nvPicPr>
-        <p:blipFill rotWithShape="1">
-          <a:blip r:embed="rId2">
-            <a:extLst>
-              <a:ext uri="{28A0092B-C50C-407E-A947-70E740481C1C}">
-                <a14:useLocalDpi xmlns:a14="http://schemas.microsoft.com/office/drawing/2010/main" val="0"/>
-              </a:ext>
-            </a:extLst>
-          </a:blip>
-          <a:srcRect l="9034" r="15425"/>
-          <a:stretch/>
-        </p:blipFill>
-        <p:spPr bwMode="auto">
-          <a:xfrm>
-            <a:off x="9309196" y="2966045"/>
-            <a:ext cx="4913092" cy="2911540"/>
-          </a:xfrm>
-          <a:prstGeom prst="rect">
-            <a:avLst/>
-          </a:prstGeom>
-          <a:noFill/>
-          <a:ln>
-            <a:solidFill>
-              <a:schemeClr val="tx1"/>
-            </a:solidFill>
-          </a:ln>
-          <a:extLst>
-            <a:ext uri="{909E8E84-426E-40DD-AFC4-6F175D3DCCD1}">
-              <a14:hiddenFill xmlns:a14="http://schemas.microsoft.com/office/drawing/2010/main">
-                <a:solidFill>
-                  <a:srgbClr val="FFFFFF"/>
-                </a:solidFill>
-              </a14:hiddenFill>
-            </a:ext>
-          </a:extLst>
-        </p:spPr>
-      </p:pic>
-    </p:spTree>
-    <p:extLst>
-      <p:ext uri="{BB962C8B-B14F-4D97-AF65-F5344CB8AC3E}">
-        <p14:creationId xmlns:p14="http://schemas.microsoft.com/office/powerpoint/2010/main" val="1927573978"/>
-      </p:ext>
-    </p:extLst>
-  </p:cSld>
-  <p:clrMapOvr>
-    <a:masterClrMapping/>
-  </p:clrMapOvr>
-  <p:timing>
-    <p:tnLst>
-      <p:par>
-        <p:cTn id="1" dur="indefinite" restart="never" nodeType="tmRoot">
-          <p:childTnLst>
-            <p:seq concurrent="1" nextAc="seek">
-              <p:cTn id="2" dur="indefinite" nodeType="mainSeq">
-                <p:childTnLst>
-                  <p:par>
-                    <p:cTn id="3" fill="hold">
-                      <p:stCondLst>
-                        <p:cond delay="indefinite"/>
-                      </p:stCondLst>
-                      <p:childTnLst>
-                        <p:par>
-                          <p:cTn id="4" fill="hold">
-                            <p:stCondLst>
-                              <p:cond delay="0"/>
-                            </p:stCondLst>
-                            <p:childTnLst>
-                              <p:par>
-                                <p:cTn id="5" presetID="10" presetClass="entr" presetSubtype="0" fill="hold" grpId="0" nodeType="clickEffect">
-                                  <p:stCondLst>
-                                    <p:cond delay="0"/>
-                                  </p:stCondLst>
-                                  <p:childTnLst>
-                                    <p:set>
-                                      <p:cBhvr>
-                                        <p:cTn id="6" dur="1" fill="hold">
-                                          <p:stCondLst>
-                                            <p:cond delay="0"/>
-                                          </p:stCondLst>
-                                        </p:cTn>
-                                        <p:tgtEl>
-                                          <p:spTgt spid="3">
-                                            <p:txEl>
-                                              <p:pRg st="0" end="0"/>
-                                            </p:txEl>
-                                          </p:spTgt>
-                                        </p:tgtEl>
-                                        <p:attrNameLst>
-                                          <p:attrName>style.visibility</p:attrName>
-                                        </p:attrNameLst>
-                                      </p:cBhvr>
-                                      <p:to>
-                                        <p:strVal val="visible"/>
-                                      </p:to>
-                                    </p:set>
-                                    <p:animEffect transition="in" filter="fade">
-                                      <p:cBhvr>
-                                        <p:cTn id="7" dur="500"/>
-                                        <p:tgtEl>
-                                          <p:spTgt spid="3">
-                                            <p:txEl>
-                                              <p:pRg st="0" end="0"/>
-                                            </p:txEl>
-                                          </p:spTgt>
-                                        </p:tgtEl>
-                                      </p:cBhvr>
-                                    </p:animEffect>
-                                  </p:childTnLst>
-                                </p:cTn>
-                              </p:par>
-                            </p:childTnLst>
-                          </p:cTn>
-                        </p:par>
-                      </p:childTnLst>
-                    </p:cTn>
-                  </p:par>
-                  <p:par>
-                    <p:cTn id="8" fill="hold">
-                      <p:stCondLst>
-                        <p:cond delay="indefinite"/>
-                      </p:stCondLst>
-                      <p:childTnLst>
-                        <p:par>
-                          <p:cTn id="9" fill="hold">
-                            <p:stCondLst>
-                              <p:cond delay="0"/>
-                            </p:stCondLst>
-                            <p:childTnLst>
-                              <p:par>
-                                <p:cTn id="10" presetID="2" presetClass="entr" presetSubtype="4" fill="hold" nodeType="clickEffect">
-                                  <p:stCondLst>
-                                    <p:cond delay="0"/>
-                                  </p:stCondLst>
-                                  <p:childTnLst>
-                                    <p:set>
-                                      <p:cBhvr>
-                                        <p:cTn id="11" dur="1" fill="hold">
-                                          <p:stCondLst>
-                                            <p:cond delay="0"/>
-                                          </p:stCondLst>
-                                        </p:cTn>
-                                        <p:tgtEl>
-                                          <p:spTgt spid="1026"/>
-                                        </p:tgtEl>
-                                        <p:attrNameLst>
-                                          <p:attrName>style.visibility</p:attrName>
-                                        </p:attrNameLst>
-                                      </p:cBhvr>
-                                      <p:to>
-                                        <p:strVal val="visible"/>
-                                      </p:to>
-                                    </p:set>
-                                    <p:anim calcmode="lin" valueType="num">
-                                      <p:cBhvr additive="base">
-                                        <p:cTn id="12" dur="500" fill="hold"/>
-                                        <p:tgtEl>
-                                          <p:spTgt spid="1026"/>
-                                        </p:tgtEl>
-                                        <p:attrNameLst>
-                                          <p:attrName>ppt_x</p:attrName>
-                                        </p:attrNameLst>
-                                      </p:cBhvr>
-                                      <p:tavLst>
-                                        <p:tav tm="0">
-                                          <p:val>
-                                            <p:strVal val="#ppt_x"/>
-                                          </p:val>
-                                        </p:tav>
-                                        <p:tav tm="100000">
-                                          <p:val>
-                                            <p:strVal val="#ppt_x"/>
-                                          </p:val>
-                                        </p:tav>
-                                      </p:tavLst>
-                                    </p:anim>
-                                    <p:anim calcmode="lin" valueType="num">
-                                      <p:cBhvr additive="base">
-                                        <p:cTn id="13" dur="500" fill="hold"/>
-                                        <p:tgtEl>
-                                          <p:spTgt spid="1026"/>
-                                        </p:tgtEl>
-                                        <p:attrNameLst>
-                                          <p:attrName>ppt_y</p:attrName>
-                                        </p:attrNameLst>
-                                      </p:cBhvr>
-                                      <p:tavLst>
-                                        <p:tav tm="0">
-                                          <p:val>
-                                            <p:strVal val="1+#ppt_h/2"/>
-                                          </p:val>
-                                        </p:tav>
-                                        <p:tav tm="100000">
-                                          <p:val>
-                                            <p:strVal val="#ppt_y"/>
-                                          </p:val>
-                                        </p:tav>
-                                      </p:tavLst>
-                                    </p:anim>
-                                  </p:childTnLst>
-                                </p:cTn>
-                              </p:par>
-                            </p:childTnLst>
-                          </p:cTn>
-                        </p:par>
-                      </p:childTnLst>
-                    </p:cTn>
-                  </p:par>
-                  <p:par>
-                    <p:cTn id="14" fill="hold">
-                      <p:stCondLst>
-                        <p:cond delay="indefinite"/>
-                      </p:stCondLst>
-                      <p:childTnLst>
-                        <p:par>
-                          <p:cTn id="15" fill="hold">
-                            <p:stCondLst>
-                              <p:cond delay="0"/>
-                            </p:stCondLst>
-                            <p:childTnLst>
-                              <p:par>
-                                <p:cTn id="16" presetID="10" presetClass="entr" presetSubtype="0" fill="hold" nodeType="clickEffect">
-                                  <p:stCondLst>
-                                    <p:cond delay="0"/>
-                                  </p:stCondLst>
-                                  <p:childTnLst>
-                                    <p:set>
-                                      <p:cBhvr>
-                                        <p:cTn id="17" dur="1" fill="hold">
-                                          <p:stCondLst>
-                                            <p:cond delay="0"/>
-                                          </p:stCondLst>
-                                        </p:cTn>
-                                        <p:tgtEl>
-                                          <p:spTgt spid="3">
-                                            <p:txEl>
-                                              <p:pRg st="2" end="2"/>
-                                            </p:txEl>
-                                          </p:spTgt>
-                                        </p:tgtEl>
-                                        <p:attrNameLst>
-                                          <p:attrName>style.visibility</p:attrName>
-                                        </p:attrNameLst>
-                                      </p:cBhvr>
-                                      <p:to>
-                                        <p:strVal val="visible"/>
-                                      </p:to>
-                                    </p:set>
-                                    <p:animEffect transition="in" filter="fade">
-                                      <p:cBhvr>
-                                        <p:cTn id="18" dur="500"/>
-                                        <p:tgtEl>
-                                          <p:spTgt spid="3">
-                                            <p:txEl>
-                                              <p:pRg st="2" end="2"/>
-                                            </p:txEl>
-                                          </p:spTgt>
-                                        </p:tgtEl>
-                                      </p:cBhvr>
-                                    </p:animEffect>
-                                  </p:childTnLst>
-                                </p:cTn>
-                              </p:par>
-                            </p:childTnLst>
-                          </p:cTn>
-                        </p:par>
-                      </p:childTnLst>
-                    </p:cTn>
-                  </p:par>
-                </p:childTnLst>
-              </p:cTn>
-              <p:prevCondLst>
-                <p:cond evt="onPrev" delay="0">
-                  <p:tgtEl>
-                    <p:sldTgt/>
-                  </p:tgtEl>
-                </p:cond>
-              </p:prevCondLst>
-              <p:nextCondLst>
-                <p:cond evt="onNext" delay="0">
-                  <p:tgtEl>
-                    <p:sldTgt/>
-                  </p:tgtEl>
-                </p:cond>
-              </p:nextCondLst>
-            </p:seq>
-          </p:childTnLst>
-        </p:cTn>
-      </p:par>
-    </p:tnLst>
-    <p:bldLst>
-      <p:bldP spid="3" grpId="0" uiExpand="1" build="p"/>
-    </p:bldLst>
-  </p:timing>
-</p:sld>
-</file>
-
-<file path=ppt/slides/slide20.xml><?xml version="1.0" encoding="utf-8"?>
+<file path=ppt/slides/slide18.xml><?xml version="1.0" encoding="utf-8"?>
 <p:sld xmlns:a="http://schemas.openxmlformats.org/drawingml/2006/main" xmlns:r="http://schemas.openxmlformats.org/officeDocument/2006/relationships" xmlns:p="http://schemas.openxmlformats.org/presentationml/2006/main">
   <p:cSld>
     <p:spTree>
@@ -31870,7 +29469,7 @@
 </p:sld>
 </file>
 
-<file path=ppt/slides/slide21.xml><?xml version="1.0" encoding="utf-8"?>
+<file path=ppt/slides/slide19.xml><?xml version="1.0" encoding="utf-8"?>
 <p:sld xmlns:a="http://schemas.openxmlformats.org/drawingml/2006/main" xmlns:r="http://schemas.openxmlformats.org/officeDocument/2006/relationships" xmlns:p="http://schemas.openxmlformats.org/presentationml/2006/main">
   <p:cSld>
     <p:spTree>
@@ -35690,7 +33289,422 @@
 </p:sld>
 </file>
 
-<file path=ppt/slides/slide22.xml><?xml version="1.0" encoding="utf-8"?>
+<file path=ppt/slides/slide2.xml><?xml version="1.0" encoding="utf-8"?>
+<p:sld xmlns:a="http://schemas.openxmlformats.org/drawingml/2006/main" xmlns:r="http://schemas.openxmlformats.org/officeDocument/2006/relationships" xmlns:p="http://schemas.openxmlformats.org/presentationml/2006/main">
+  <p:cSld>
+    <p:spTree>
+      <p:nvGrpSpPr>
+        <p:cNvPr id="1" name=""/>
+        <p:cNvGrpSpPr/>
+        <p:nvPr/>
+      </p:nvGrpSpPr>
+      <p:grpSpPr>
+        <a:xfrm>
+          <a:off x="0" y="0"/>
+          <a:ext cx="0" cy="0"/>
+          <a:chOff x="0" y="0"/>
+          <a:chExt cx="0" cy="0"/>
+        </a:xfrm>
+      </p:grpSpPr>
+      <p:sp>
+        <p:nvSpPr>
+          <p:cNvPr id="2" name="Title 1">
+            <a:extLst>
+              <a:ext uri="{FF2B5EF4-FFF2-40B4-BE49-F238E27FC236}">
+                <a16:creationId xmlns:a16="http://schemas.microsoft.com/office/drawing/2014/main" id="{AE3CE8B8-8455-1913-31F5-C8A759952E32}"/>
+              </a:ext>
+            </a:extLst>
+          </p:cNvPr>
+          <p:cNvSpPr>
+            <a:spLocks noGrp="1"/>
+          </p:cNvSpPr>
+          <p:nvPr>
+            <p:ph type="title"/>
+          </p:nvPr>
+        </p:nvSpPr>
+        <p:spPr>
+          <a:xfrm>
+            <a:off x="1283818" y="97470"/>
+            <a:ext cx="12070080" cy="1931213"/>
+          </a:xfrm>
+        </p:spPr>
+        <p:txBody>
+          <a:bodyPr/>
+          <a:lstStyle/>
+          <a:p>
+            <a:r>
+              <a:rPr lang="en-US" dirty="0"/>
+              <a:t>Normal Distribution</a:t>
+            </a:r>
+          </a:p>
+        </p:txBody>
+      </p:sp>
+      <p:sp>
+        <p:nvSpPr>
+          <p:cNvPr id="3" name="Content Placeholder 2">
+            <a:extLst>
+              <a:ext uri="{FF2B5EF4-FFF2-40B4-BE49-F238E27FC236}">
+                <a16:creationId xmlns:a16="http://schemas.microsoft.com/office/drawing/2014/main" id="{EFDA7E4E-919B-F425-BAF9-7D2CFB21E498}"/>
+              </a:ext>
+            </a:extLst>
+          </p:cNvPr>
+          <p:cNvSpPr>
+            <a:spLocks noGrp="1"/>
+          </p:cNvSpPr>
+          <p:nvPr>
+            <p:ph sz="quarter" idx="13"/>
+          </p:nvPr>
+        </p:nvSpPr>
+        <p:spPr>
+          <a:xfrm>
+            <a:off x="1096529" y="2123351"/>
+            <a:ext cx="12436591" cy="4993066"/>
+          </a:xfrm>
+        </p:spPr>
+        <p:txBody>
+          <a:bodyPr>
+            <a:normAutofit/>
+          </a:bodyPr>
+          <a:lstStyle/>
+          <a:p>
+            <a:r>
+              <a:rPr lang="en-US" sz="3200" dirty="0"/>
+              <a:t>Normal distribution is a probability distribution that is </a:t>
+            </a:r>
+            <a:r>
+              <a:rPr lang="en-US" sz="3200" dirty="0">
+                <a:solidFill>
+                  <a:srgbClr val="FF0000"/>
+                </a:solidFill>
+              </a:rPr>
+              <a:t>symmetric</a:t>
+            </a:r>
+            <a:r>
+              <a:rPr lang="en-US" sz="3200" dirty="0"/>
+              <a:t> about the mean</a:t>
+            </a:r>
+          </a:p>
+          <a:p>
+            <a:endParaRPr lang="en-US" sz="3200" dirty="0"/>
+          </a:p>
+          <a:p>
+            <a:r>
+              <a:rPr lang="en-US" sz="3200" dirty="0"/>
+              <a:t>Also known as the Gaussian distribution</a:t>
+            </a:r>
+          </a:p>
+        </p:txBody>
+      </p:sp>
+      <p:pic>
+        <p:nvPicPr>
+          <p:cNvPr id="1026" name="Picture 2" descr="Types of Frequency Distribution | Nave">
+            <a:extLst>
+              <a:ext uri="{FF2B5EF4-FFF2-40B4-BE49-F238E27FC236}">
+                <a16:creationId xmlns:a16="http://schemas.microsoft.com/office/drawing/2014/main" id="{6EA3F65A-C92E-BAAE-DDDF-B091BE60C8FB}"/>
+              </a:ext>
+            </a:extLst>
+          </p:cNvPr>
+          <p:cNvPicPr>
+            <a:picLocks noChangeAspect="1" noChangeArrowheads="1"/>
+          </p:cNvPicPr>
+          <p:nvPr/>
+        </p:nvPicPr>
+        <p:blipFill rotWithShape="1">
+          <a:blip r:embed="rId2">
+            <a:extLst>
+              <a:ext uri="{28A0092B-C50C-407E-A947-70E740481C1C}">
+                <a14:useLocalDpi xmlns:a14="http://schemas.microsoft.com/office/drawing/2010/main" val="0"/>
+              </a:ext>
+            </a:extLst>
+          </a:blip>
+          <a:srcRect l="9034" r="15425"/>
+          <a:stretch/>
+        </p:blipFill>
+        <p:spPr bwMode="auto">
+          <a:xfrm>
+            <a:off x="9309196" y="2966045"/>
+            <a:ext cx="4913092" cy="2911540"/>
+          </a:xfrm>
+          <a:prstGeom prst="rect">
+            <a:avLst/>
+          </a:prstGeom>
+          <a:noFill/>
+          <a:ln>
+            <a:solidFill>
+              <a:schemeClr val="tx1"/>
+            </a:solidFill>
+          </a:ln>
+          <a:extLst>
+            <a:ext uri="{909E8E84-426E-40DD-AFC4-6F175D3DCCD1}">
+              <a14:hiddenFill xmlns:a14="http://schemas.microsoft.com/office/drawing/2010/main">
+                <a:solidFill>
+                  <a:srgbClr val="FFFFFF"/>
+                </a:solidFill>
+              </a14:hiddenFill>
+            </a:ext>
+          </a:extLst>
+        </p:spPr>
+      </p:pic>
+    </p:spTree>
+    <p:extLst>
+      <p:ext uri="{BB962C8B-B14F-4D97-AF65-F5344CB8AC3E}">
+        <p14:creationId xmlns:p14="http://schemas.microsoft.com/office/powerpoint/2010/main" val="1927573978"/>
+      </p:ext>
+    </p:extLst>
+  </p:cSld>
+  <p:clrMapOvr>
+    <a:masterClrMapping/>
+  </p:clrMapOvr>
+  <p:timing>
+    <p:tnLst>
+      <p:par>
+        <p:cTn id="1" dur="indefinite" restart="never" nodeType="tmRoot">
+          <p:childTnLst>
+            <p:seq concurrent="1" nextAc="seek">
+              <p:cTn id="2" dur="indefinite" nodeType="mainSeq">
+                <p:childTnLst>
+                  <p:par>
+                    <p:cTn id="3" fill="hold">
+                      <p:stCondLst>
+                        <p:cond delay="indefinite"/>
+                      </p:stCondLst>
+                      <p:childTnLst>
+                        <p:par>
+                          <p:cTn id="4" fill="hold">
+                            <p:stCondLst>
+                              <p:cond delay="0"/>
+                            </p:stCondLst>
+                            <p:childTnLst>
+                              <p:par>
+                                <p:cTn id="5" presetID="10" presetClass="entr" presetSubtype="0" fill="hold" grpId="0" nodeType="clickEffect">
+                                  <p:stCondLst>
+                                    <p:cond delay="0"/>
+                                  </p:stCondLst>
+                                  <p:childTnLst>
+                                    <p:set>
+                                      <p:cBhvr>
+                                        <p:cTn id="6" dur="1" fill="hold">
+                                          <p:stCondLst>
+                                            <p:cond delay="0"/>
+                                          </p:stCondLst>
+                                        </p:cTn>
+                                        <p:tgtEl>
+                                          <p:spTgt spid="3">
+                                            <p:txEl>
+                                              <p:pRg st="0" end="0"/>
+                                            </p:txEl>
+                                          </p:spTgt>
+                                        </p:tgtEl>
+                                        <p:attrNameLst>
+                                          <p:attrName>style.visibility</p:attrName>
+                                        </p:attrNameLst>
+                                      </p:cBhvr>
+                                      <p:to>
+                                        <p:strVal val="visible"/>
+                                      </p:to>
+                                    </p:set>
+                                    <p:animEffect transition="in" filter="fade">
+                                      <p:cBhvr>
+                                        <p:cTn id="7" dur="500"/>
+                                        <p:tgtEl>
+                                          <p:spTgt spid="3">
+                                            <p:txEl>
+                                              <p:pRg st="0" end="0"/>
+                                            </p:txEl>
+                                          </p:spTgt>
+                                        </p:tgtEl>
+                                      </p:cBhvr>
+                                    </p:animEffect>
+                                  </p:childTnLst>
+                                </p:cTn>
+                              </p:par>
+                            </p:childTnLst>
+                          </p:cTn>
+                        </p:par>
+                      </p:childTnLst>
+                    </p:cTn>
+                  </p:par>
+                  <p:par>
+                    <p:cTn id="8" fill="hold">
+                      <p:stCondLst>
+                        <p:cond delay="indefinite"/>
+                      </p:stCondLst>
+                      <p:childTnLst>
+                        <p:par>
+                          <p:cTn id="9" fill="hold">
+                            <p:stCondLst>
+                              <p:cond delay="0"/>
+                            </p:stCondLst>
+                            <p:childTnLst>
+                              <p:par>
+                                <p:cTn id="10" presetID="2" presetClass="entr" presetSubtype="4" fill="hold" nodeType="clickEffect">
+                                  <p:stCondLst>
+                                    <p:cond delay="0"/>
+                                  </p:stCondLst>
+                                  <p:childTnLst>
+                                    <p:set>
+                                      <p:cBhvr>
+                                        <p:cTn id="11" dur="1" fill="hold">
+                                          <p:stCondLst>
+                                            <p:cond delay="0"/>
+                                          </p:stCondLst>
+                                        </p:cTn>
+                                        <p:tgtEl>
+                                          <p:spTgt spid="1026"/>
+                                        </p:tgtEl>
+                                        <p:attrNameLst>
+                                          <p:attrName>style.visibility</p:attrName>
+                                        </p:attrNameLst>
+                                      </p:cBhvr>
+                                      <p:to>
+                                        <p:strVal val="visible"/>
+                                      </p:to>
+                                    </p:set>
+                                    <p:anim calcmode="lin" valueType="num">
+                                      <p:cBhvr additive="base">
+                                        <p:cTn id="12" dur="500" fill="hold"/>
+                                        <p:tgtEl>
+                                          <p:spTgt spid="1026"/>
+                                        </p:tgtEl>
+                                        <p:attrNameLst>
+                                          <p:attrName>ppt_x</p:attrName>
+                                        </p:attrNameLst>
+                                      </p:cBhvr>
+                                      <p:tavLst>
+                                        <p:tav tm="0">
+                                          <p:val>
+                                            <p:strVal val="#ppt_x"/>
+                                          </p:val>
+                                        </p:tav>
+                                        <p:tav tm="100000">
+                                          <p:val>
+                                            <p:strVal val="#ppt_x"/>
+                                          </p:val>
+                                        </p:tav>
+                                      </p:tavLst>
+                                    </p:anim>
+                                    <p:anim calcmode="lin" valueType="num">
+                                      <p:cBhvr additive="base">
+                                        <p:cTn id="13" dur="500" fill="hold"/>
+                                        <p:tgtEl>
+                                          <p:spTgt spid="1026"/>
+                                        </p:tgtEl>
+                                        <p:attrNameLst>
+                                          <p:attrName>ppt_y</p:attrName>
+                                        </p:attrNameLst>
+                                      </p:cBhvr>
+                                      <p:tavLst>
+                                        <p:tav tm="0">
+                                          <p:val>
+                                            <p:strVal val="1+#ppt_h/2"/>
+                                          </p:val>
+                                        </p:tav>
+                                        <p:tav tm="100000">
+                                          <p:val>
+                                            <p:strVal val="#ppt_y"/>
+                                          </p:val>
+                                        </p:tav>
+                                      </p:tavLst>
+                                    </p:anim>
+                                  </p:childTnLst>
+                                </p:cTn>
+                              </p:par>
+                            </p:childTnLst>
+                          </p:cTn>
+                        </p:par>
+                      </p:childTnLst>
+                    </p:cTn>
+                  </p:par>
+                  <p:par>
+                    <p:cTn id="14" fill="hold">
+                      <p:stCondLst>
+                        <p:cond delay="indefinite"/>
+                      </p:stCondLst>
+                      <p:childTnLst>
+                        <p:par>
+                          <p:cTn id="15" fill="hold">
+                            <p:stCondLst>
+                              <p:cond delay="0"/>
+                            </p:stCondLst>
+                            <p:childTnLst>
+                              <p:par>
+                                <p:cTn id="16" presetID="10" presetClass="entr" presetSubtype="0" fill="hold" nodeType="clickEffect">
+                                  <p:stCondLst>
+                                    <p:cond delay="0"/>
+                                  </p:stCondLst>
+                                  <p:childTnLst>
+                                    <p:set>
+                                      <p:cBhvr>
+                                        <p:cTn id="17" dur="1" fill="hold">
+                                          <p:stCondLst>
+                                            <p:cond delay="0"/>
+                                          </p:stCondLst>
+                                        </p:cTn>
+                                        <p:tgtEl>
+                                          <p:spTgt spid="3">
+                                            <p:txEl>
+                                              <p:pRg st="2" end="2"/>
+                                            </p:txEl>
+                                          </p:spTgt>
+                                        </p:tgtEl>
+                                        <p:attrNameLst>
+                                          <p:attrName>style.visibility</p:attrName>
+                                        </p:attrNameLst>
+                                      </p:cBhvr>
+                                      <p:to>
+                                        <p:strVal val="visible"/>
+                                      </p:to>
+                                    </p:set>
+                                    <p:animEffect transition="in" filter="fade">
+                                      <p:cBhvr>
+                                        <p:cTn id="18" dur="500"/>
+                                        <p:tgtEl>
+                                          <p:spTgt spid="3">
+                                            <p:txEl>
+                                              <p:pRg st="2" end="2"/>
+                                            </p:txEl>
+                                          </p:spTgt>
+                                        </p:tgtEl>
+                                      </p:cBhvr>
+                                    </p:animEffect>
+                                  </p:childTnLst>
+                                </p:cTn>
+                              </p:par>
+                            </p:childTnLst>
+                          </p:cTn>
+                        </p:par>
+                      </p:childTnLst>
+                    </p:cTn>
+                  </p:par>
+                </p:childTnLst>
+              </p:cTn>
+              <p:prevCondLst>
+                <p:cond evt="onPrev" delay="0">
+                  <p:tgtEl>
+                    <p:sldTgt/>
+                  </p:tgtEl>
+                </p:cond>
+              </p:prevCondLst>
+              <p:nextCondLst>
+                <p:cond evt="onNext" delay="0">
+                  <p:tgtEl>
+                    <p:sldTgt/>
+                  </p:tgtEl>
+                </p:cond>
+              </p:nextCondLst>
+            </p:seq>
+          </p:childTnLst>
+        </p:cTn>
+      </p:par>
+    </p:tnLst>
+    <p:bldLst>
+      <p:bldP spid="3" grpId="0" uiExpand="1" build="p"/>
+    </p:bldLst>
+  </p:timing>
+</p:sld>
+</file>
+
+<file path=ppt/slides/slide20.xml><?xml version="1.0" encoding="utf-8"?>
 <p:sld xmlns:a="http://schemas.openxmlformats.org/drawingml/2006/main" xmlns:r="http://schemas.openxmlformats.org/officeDocument/2006/relationships" xmlns:p="http://schemas.openxmlformats.org/presentationml/2006/main">
   <p:cSld>
     <p:spTree>
@@ -36065,7 +34079,7 @@
 </p:sld>
 </file>
 
-<file path=ppt/slides/slide23.xml><?xml version="1.0" encoding="utf-8"?>
+<file path=ppt/slides/slide21.xml><?xml version="1.0" encoding="utf-8"?>
 <p:sld xmlns:a="http://schemas.openxmlformats.org/drawingml/2006/main" xmlns:r="http://schemas.openxmlformats.org/officeDocument/2006/relationships" xmlns:p="http://schemas.openxmlformats.org/presentationml/2006/main">
   <p:cSld>
     <p:spTree>
@@ -37255,7 +35269,7 @@
 </p:sld>
 </file>
 
-<file path=ppt/slides/slide24.xml><?xml version="1.0" encoding="utf-8"?>
+<file path=ppt/slides/slide22.xml><?xml version="1.0" encoding="utf-8"?>
 <p:sld xmlns:a="http://schemas.openxmlformats.org/drawingml/2006/main" xmlns:r="http://schemas.openxmlformats.org/officeDocument/2006/relationships" xmlns:p="http://schemas.openxmlformats.org/presentationml/2006/main">
   <p:cSld>
     <p:spTree>
@@ -37305,8 +35319,8 @@
           </a:p>
         </p:txBody>
       </p:sp>
-      <mc:AlternateContent xmlns:mc="http://schemas.openxmlformats.org/markup-compatibility/2006">
-        <mc:Choice xmlns:a14="http://schemas.microsoft.com/office/drawing/2010/main" Requires="a14">
+      <mc:AlternateContent xmlns:mc="http://schemas.openxmlformats.org/markup-compatibility/2006" xmlns:a14="http://schemas.microsoft.com/office/drawing/2010/main">
+        <mc:Choice Requires="a14">
           <p:sp>
             <p:nvSpPr>
               <p:cNvPr id="3" name="Content Placeholder 2">
@@ -37490,7 +35504,7 @@
             </p:txBody>
           </p:sp>
         </mc:Choice>
-        <mc:Fallback>
+        <mc:Fallback xmlns="">
           <p:sp>
             <p:nvSpPr>
               <p:cNvPr id="3" name="Content Placeholder 2">
@@ -38820,7 +36834,7 @@
 </p:sld>
 </file>
 
-<file path=ppt/slides/slide25.xml><?xml version="1.0" encoding="utf-8"?>
+<file path=ppt/slides/slide23.xml><?xml version="1.0" encoding="utf-8"?>
 <p:sld xmlns:a="http://schemas.openxmlformats.org/drawingml/2006/main" xmlns:r="http://schemas.openxmlformats.org/officeDocument/2006/relationships" xmlns:p="http://schemas.openxmlformats.org/presentationml/2006/main">
   <p:cSld>
     <p:spTree>
@@ -40266,7 +38280,7 @@
 </p:sld>
 </file>
 
-<file path=ppt/slides/slide26.xml><?xml version="1.0" encoding="utf-8"?>
+<file path=ppt/slides/slide24.xml><?xml version="1.0" encoding="utf-8"?>
 <p:sld xmlns:a="http://schemas.openxmlformats.org/drawingml/2006/main" xmlns:r="http://schemas.openxmlformats.org/officeDocument/2006/relationships" xmlns:p="http://schemas.openxmlformats.org/presentationml/2006/main">
   <p:cSld>
     <p:spTree>
@@ -40361,11 +38375,7 @@
             </a:pPr>
             <a:r>
               <a:rPr lang="en-US" sz="3200" dirty="0"/>
-              <a:t>What percentage of the employees receive wages between $4.75 and $5.69 per </a:t>
-            </a:r>
-            <a:r>
-              <a:rPr lang="en-US" sz="3200"/>
-              <a:t>hour?</a:t>
+              <a:t>What percentage of the employees receive wages between $4.75 and $5.69 per hour?</a:t>
             </a:r>
           </a:p>
           <a:p>
@@ -40407,7 +38417,7 @@
 </p:sld>
 </file>
 
-<file path=ppt/slides/slide27.xml><?xml version="1.0" encoding="utf-8"?>
+<file path=ppt/slides/slide25.xml><?xml version="1.0" encoding="utf-8"?>
 <p:sld xmlns:a="http://schemas.openxmlformats.org/drawingml/2006/main" xmlns:r="http://schemas.openxmlformats.org/officeDocument/2006/relationships" xmlns:p="http://schemas.openxmlformats.org/presentationml/2006/main">
   <p:cSld>
     <p:spTree>
@@ -40549,7 +38559,7 @@
 </p:sld>
 </file>
 
-<file path=ppt/slides/slide28.xml><?xml version="1.0" encoding="utf-8"?>
+<file path=ppt/slides/slide26.xml><?xml version="1.0" encoding="utf-8"?>
 <p:sld xmlns:a="http://schemas.openxmlformats.org/drawingml/2006/main" xmlns:r="http://schemas.openxmlformats.org/officeDocument/2006/relationships" xmlns:p="http://schemas.openxmlformats.org/presentationml/2006/main">
   <p:cSld>
     <p:spTree>
@@ -45765,6 +43775,41 @@
                                   </p:childTnLst>
                                 </p:cTn>
                               </p:par>
+                              <p:par>
+                                <p:cTn id="26" presetID="16" presetClass="entr" presetSubtype="21" fill="hold" nodeType="withEffect">
+                                  <p:stCondLst>
+                                    <p:cond delay="0"/>
+                                  </p:stCondLst>
+                                  <p:childTnLst>
+                                    <p:set>
+                                      <p:cBhvr>
+                                        <p:cTn id="27" dur="1" fill="hold">
+                                          <p:stCondLst>
+                                            <p:cond delay="0"/>
+                                          </p:stCondLst>
+                                        </p:cTn>
+                                        <p:tgtEl>
+                                          <p:spTgt spid="9"/>
+                                        </p:tgtEl>
+                                        <p:attrNameLst>
+                                          <p:attrName>style.visibility</p:attrName>
+                                        </p:attrNameLst>
+                                      </p:cBhvr>
+                                      <p:to>
+                                        <p:strVal val="visible"/>
+                                      </p:to>
+                                    </p:set>
+                                    <p:animEffect transition="in" filter="barn(inVertical)">
+                                      <p:cBhvr>
+                                        <p:cTn id="28" dur="500"/>
+                                        <p:tgtEl>
+                                          <p:spTgt spid="9"/>
+                                        </p:tgtEl>
+                                      </p:cBhvr>
+                                    </p:animEffect>
+                                  </p:childTnLst>
+                                </p:cTn>
+                              </p:par>
                             </p:childTnLst>
                           </p:cTn>
                         </p:par>
@@ -45772,26 +43817,26 @@
                     </p:cTn>
                   </p:par>
                   <p:par>
-                    <p:cTn id="26" fill="hold">
+                    <p:cTn id="29" fill="hold">
                       <p:stCondLst>
                         <p:cond delay="indefinite"/>
                       </p:stCondLst>
                       <p:childTnLst>
                         <p:par>
-                          <p:cTn id="27" fill="hold">
+                          <p:cTn id="30" fill="hold">
                             <p:stCondLst>
                               <p:cond delay="0"/>
                             </p:stCondLst>
                             <p:childTnLst>
                               <p:par>
-                                <p:cTn id="28" presetID="10" presetClass="entr" presetSubtype="0" fill="hold" nodeType="clickEffect">
+                                <p:cTn id="31" presetID="10" presetClass="entr" presetSubtype="0" fill="hold" nodeType="clickEffect">
                                   <p:stCondLst>
                                     <p:cond delay="0"/>
                                   </p:stCondLst>
                                   <p:childTnLst>
                                     <p:set>
                                       <p:cBhvr>
-                                        <p:cTn id="29" dur="1" fill="hold">
+                                        <p:cTn id="32" dur="1" fill="hold">
                                           <p:stCondLst>
                                             <p:cond delay="0"/>
                                           </p:stCondLst>
@@ -45813,7 +43858,7 @@
                                     </p:set>
                                     <p:animEffect transition="in" filter="fade">
                                       <p:cBhvr>
-                                        <p:cTn id="30" dur="500"/>
+                                        <p:cTn id="33" dur="500"/>
                                         <p:tgtEl>
                                           <p:spTgt spid="3">
                                             <p:txEl>

--- a/9.3 Probability Distribution (Part 3).pptx
+++ b/9.3 Probability Distribution (Part 3).pptx
@@ -540,7 +540,7 @@
           <a:p>
             <a:fld id="{97B34786-0A07-4281-A7C3-7630DD8912B6}" type="datetimeFigureOut">
               <a:rPr lang="en-US" smtClean="0"/>
-              <a:t>9/16/2024</a:t>
+              <a:t>9/22/2024</a:t>
             </a:fld>
             <a:endParaRPr lang="en-US"/>
           </a:p>
@@ -719,7 +719,7 @@
           <a:p>
             <a:fld id="{97B34786-0A07-4281-A7C3-7630DD8912B6}" type="datetimeFigureOut">
               <a:rPr lang="en-US" smtClean="0"/>
-              <a:t>9/16/2024</a:t>
+              <a:t>9/22/2024</a:t>
             </a:fld>
             <a:endParaRPr lang="en-US"/>
           </a:p>
@@ -899,7 +899,7 @@
           <a:p>
             <a:fld id="{97B34786-0A07-4281-A7C3-7630DD8912B6}" type="datetimeFigureOut">
               <a:rPr lang="en-US" smtClean="0"/>
-              <a:t>9/16/2024</a:t>
+              <a:t>9/22/2024</a:t>
             </a:fld>
             <a:endParaRPr lang="en-US"/>
           </a:p>
@@ -1074,7 +1074,7 @@
           <a:p>
             <a:fld id="{97B34786-0A07-4281-A7C3-7630DD8912B6}" type="datetimeFigureOut">
               <a:rPr lang="en-US" smtClean="0"/>
-              <a:t>9/16/2024</a:t>
+              <a:t>9/22/2024</a:t>
             </a:fld>
             <a:endParaRPr lang="en-US"/>
           </a:p>
@@ -1244,7 +1244,7 @@
           <a:p>
             <a:fld id="{97B34786-0A07-4281-A7C3-7630DD8912B6}" type="datetimeFigureOut">
               <a:rPr lang="en-US" smtClean="0"/>
-              <a:t>9/16/2024</a:t>
+              <a:t>9/22/2024</a:t>
             </a:fld>
             <a:endParaRPr lang="en-US"/>
           </a:p>
@@ -1557,7 +1557,7 @@
           <a:p>
             <a:fld id="{97B34786-0A07-4281-A7C3-7630DD8912B6}" type="datetimeFigureOut">
               <a:rPr lang="en-US" smtClean="0"/>
-              <a:t>9/16/2024</a:t>
+              <a:t>9/22/2024</a:t>
             </a:fld>
             <a:endParaRPr lang="en-US"/>
           </a:p>
@@ -1943,7 +1943,7 @@
           <a:p>
             <a:fld id="{97B34786-0A07-4281-A7C3-7630DD8912B6}" type="datetimeFigureOut">
               <a:rPr lang="en-US" smtClean="0"/>
-              <a:t>9/16/2024</a:t>
+              <a:t>9/22/2024</a:t>
             </a:fld>
             <a:endParaRPr lang="en-US"/>
           </a:p>
@@ -2377,7 +2377,7 @@
           <a:p>
             <a:fld id="{97B34786-0A07-4281-A7C3-7630DD8912B6}" type="datetimeFigureOut">
               <a:rPr lang="en-US" smtClean="0"/>
-              <a:t>9/16/2024</a:t>
+              <a:t>9/22/2024</a:t>
             </a:fld>
             <a:endParaRPr lang="en-US"/>
           </a:p>
@@ -2495,7 +2495,7 @@
           <a:p>
             <a:fld id="{97B34786-0A07-4281-A7C3-7630DD8912B6}" type="datetimeFigureOut">
               <a:rPr lang="en-US" smtClean="0"/>
-              <a:t>9/16/2024</a:t>
+              <a:t>9/22/2024</a:t>
             </a:fld>
             <a:endParaRPr lang="en-US"/>
           </a:p>
@@ -2590,7 +2590,7 @@
           <a:p>
             <a:fld id="{97B34786-0A07-4281-A7C3-7630DD8912B6}" type="datetimeFigureOut">
               <a:rPr lang="en-US" smtClean="0"/>
-              <a:t>9/16/2024</a:t>
+              <a:t>9/22/2024</a:t>
             </a:fld>
             <a:endParaRPr lang="en-US"/>
           </a:p>
@@ -2940,7 +2940,7 @@
           <a:p>
             <a:fld id="{97B34786-0A07-4281-A7C3-7630DD8912B6}" type="datetimeFigureOut">
               <a:rPr lang="en-US" smtClean="0"/>
-              <a:t>9/16/2024</a:t>
+              <a:t>9/22/2024</a:t>
             </a:fld>
             <a:endParaRPr lang="en-US"/>
           </a:p>
@@ -3365,7 +3365,7 @@
           <a:p>
             <a:fld id="{97B34786-0A07-4281-A7C3-7630DD8912B6}" type="datetimeFigureOut">
               <a:rPr lang="en-US" smtClean="0"/>
-              <a:t>9/16/2024</a:t>
+              <a:t>9/22/2024</a:t>
             </a:fld>
             <a:endParaRPr lang="en-US"/>
           </a:p>
@@ -3646,7 +3646,7 @@
           <a:p>
             <a:fld id="{97B34786-0A07-4281-A7C3-7630DD8912B6}" type="datetimeFigureOut">
               <a:rPr lang="en-US" smtClean="0"/>
-              <a:t>9/16/2024</a:t>
+              <a:t>9/22/2024</a:t>
             </a:fld>
             <a:endParaRPr lang="en-US"/>
           </a:p>
@@ -34774,8 +34774,8 @@
           </p:sp>
         </mc:Fallback>
       </mc:AlternateContent>
-      <mc:AlternateContent xmlns:mc="http://schemas.openxmlformats.org/markup-compatibility/2006" xmlns:a14="http://schemas.microsoft.com/office/drawing/2010/main">
-        <mc:Choice Requires="a14">
+      <mc:AlternateContent xmlns:mc="http://schemas.openxmlformats.org/markup-compatibility/2006">
+        <mc:Choice xmlns:a14="http://schemas.microsoft.com/office/drawing/2010/main" Requires="a14">
           <p:sp>
             <p:nvSpPr>
               <p:cNvPr id="3" name="TextBox 2">
@@ -34837,7 +34837,13 @@
                             <a:rPr lang="en-US" sz="3200" b="0" i="1" smtClean="0">
                               <a:latin typeface="Cambria Math" panose="02040503050406030204" pitchFamily="18" charset="0"/>
                             </a:rPr>
-                            <m:t>30&lt;</m:t>
+                            <m:t>30</m:t>
+                          </m:r>
+                          <m:r>
+                            <a:rPr lang="en-US" sz="3200" b="0" i="1" smtClean="0">
+                              <a:latin typeface="Cambria Math" panose="02040503050406030204" pitchFamily="18" charset="0"/>
+                            </a:rPr>
+                            <m:t>&lt;</m:t>
                           </m:r>
                           <m:r>
                             <a:rPr lang="en-US" sz="3200" b="0" i="1" smtClean="0">
@@ -34857,7 +34863,13 @@
                         <a:rPr lang="en-US" sz="3200" b="0" i="1" smtClean="0">
                           <a:latin typeface="Cambria Math" panose="02040503050406030204" pitchFamily="18" charset="0"/>
                         </a:rPr>
-                        <m:t>=0.68</m:t>
+                        <m:t>=</m:t>
+                      </m:r>
+                      <m:r>
+                        <a:rPr lang="en-US" sz="3200" b="0" i="1" smtClean="0">
+                          <a:latin typeface="Cambria Math" panose="02040503050406030204" pitchFamily="18" charset="0"/>
+                        </a:rPr>
+                        <m:t> ???</m:t>
                       </m:r>
                     </m:oMath>
                   </m:oMathPara>
@@ -34867,7 +34879,7 @@
             </p:txBody>
           </p:sp>
         </mc:Choice>
-        <mc:Fallback xmlns="">
+        <mc:Fallback>
           <p:sp>
             <p:nvSpPr>
               <p:cNvPr id="3" name="TextBox 2">
@@ -34892,6 +34904,155 @@
               </a:prstGeom>
               <a:blipFill>
                 <a:blip r:embed="rId7"/>
+                <a:stretch>
+                  <a:fillRect/>
+                </a:stretch>
+              </a:blipFill>
+              <a:ln>
+                <a:solidFill>
+                  <a:schemeClr val="tx1"/>
+                </a:solidFill>
+              </a:ln>
+            </p:spPr>
+            <p:txBody>
+              <a:bodyPr/>
+              <a:lstStyle/>
+              <a:p>
+                <a:r>
+                  <a:rPr lang="en-US">
+                    <a:noFill/>
+                  </a:rPr>
+                  <a:t> </a:t>
+                </a:r>
+              </a:p>
+            </p:txBody>
+          </p:sp>
+        </mc:Fallback>
+      </mc:AlternateContent>
+      <mc:AlternateContent xmlns:mc="http://schemas.openxmlformats.org/markup-compatibility/2006">
+        <mc:Choice xmlns:a14="http://schemas.microsoft.com/office/drawing/2010/main" Requires="a14">
+          <p:sp>
+            <p:nvSpPr>
+              <p:cNvPr id="4" name="TextBox 3">
+                <a:extLst>
+                  <a:ext uri="{FF2B5EF4-FFF2-40B4-BE49-F238E27FC236}">
+                    <a16:creationId xmlns:a16="http://schemas.microsoft.com/office/drawing/2014/main" id="{68E43174-F33D-B7F7-5BED-81B8EB608364}"/>
+                  </a:ext>
+                </a:extLst>
+              </p:cNvPr>
+              <p:cNvSpPr txBox="1"/>
+              <p:nvPr/>
+            </p:nvSpPr>
+            <p:spPr>
+              <a:xfrm>
+                <a:off x="228600" y="2645557"/>
+                <a:ext cx="4362061" cy="584775"/>
+              </a:xfrm>
+              <a:prstGeom prst="rect">
+                <a:avLst/>
+              </a:prstGeom>
+              <a:solidFill>
+                <a:srgbClr val="FFC000"/>
+              </a:solidFill>
+              <a:ln>
+                <a:solidFill>
+                  <a:schemeClr val="tx1"/>
+                </a:solidFill>
+              </a:ln>
+            </p:spPr>
+            <p:txBody>
+              <a:bodyPr wrap="square">
+                <a:spAutoFit/>
+              </a:bodyPr>
+              <a:lstStyle/>
+              <a:p>
+                <a:pPr/>
+                <a14:m>
+                  <m:oMathPara xmlns:m="http://schemas.openxmlformats.org/officeDocument/2006/math">
+                    <m:oMathParaPr>
+                      <m:jc m:val="centerGroup"/>
+                    </m:oMathParaPr>
+                    <m:oMath xmlns:m="http://schemas.openxmlformats.org/officeDocument/2006/math">
+                      <m:r>
+                        <a:rPr lang="en-US" sz="3200" b="0" i="1" smtClean="0">
+                          <a:latin typeface="Cambria Math" panose="02040503050406030204" pitchFamily="18" charset="0"/>
+                        </a:rPr>
+                        <m:t>𝑃</m:t>
+                      </m:r>
+                      <m:d>
+                        <m:dPr>
+                          <m:ctrlPr>
+                            <a:rPr lang="en-US" sz="3200" b="0" i="1" smtClean="0">
+                              <a:latin typeface="Cambria Math" panose="02040503050406030204" pitchFamily="18" charset="0"/>
+                            </a:rPr>
+                          </m:ctrlPr>
+                        </m:dPr>
+                        <m:e>
+                          <m:r>
+                            <a:rPr lang="en-US" sz="3200" b="0" i="1" smtClean="0">
+                              <a:latin typeface="Cambria Math" panose="02040503050406030204" pitchFamily="18" charset="0"/>
+                            </a:rPr>
+                            <m:t>??</m:t>
+                          </m:r>
+                          <m:r>
+                            <a:rPr lang="en-US" sz="3200" b="0" i="1" smtClean="0">
+                              <a:latin typeface="Cambria Math" panose="02040503050406030204" pitchFamily="18" charset="0"/>
+                            </a:rPr>
+                            <m:t>&lt;</m:t>
+                          </m:r>
+                          <m:r>
+                            <a:rPr lang="en-US" sz="3200" b="0" i="1" smtClean="0">
+                              <a:latin typeface="Cambria Math" panose="02040503050406030204" pitchFamily="18" charset="0"/>
+                            </a:rPr>
+                            <m:t>𝑋</m:t>
+                          </m:r>
+                          <m:r>
+                            <a:rPr lang="en-US" sz="3200" b="0" i="1" smtClean="0">
+                              <a:latin typeface="Cambria Math" panose="02040503050406030204" pitchFamily="18" charset="0"/>
+                            </a:rPr>
+                            <m:t>&lt; ??</m:t>
+                          </m:r>
+                        </m:e>
+                      </m:d>
+                      <m:r>
+                        <a:rPr lang="en-US" sz="3200" b="0" i="1" smtClean="0">
+                          <a:latin typeface="Cambria Math" panose="02040503050406030204" pitchFamily="18" charset="0"/>
+                        </a:rPr>
+                        <m:t>=0.68</m:t>
+                      </m:r>
+                    </m:oMath>
+                  </m:oMathPara>
+                </a14:m>
+                <a:endParaRPr lang="en-US" sz="3200" dirty="0"/>
+              </a:p>
+            </p:txBody>
+          </p:sp>
+        </mc:Choice>
+        <mc:Fallback>
+          <p:sp>
+            <p:nvSpPr>
+              <p:cNvPr id="4" name="TextBox 3">
+                <a:extLst>
+                  <a:ext uri="{FF2B5EF4-FFF2-40B4-BE49-F238E27FC236}">
+                    <a16:creationId xmlns:a16="http://schemas.microsoft.com/office/drawing/2014/main" id="{68E43174-F33D-B7F7-5BED-81B8EB608364}"/>
+                  </a:ext>
+                </a:extLst>
+              </p:cNvPr>
+              <p:cNvSpPr txBox="1">
+                <a:spLocks noRot="1" noChangeAspect="1" noMove="1" noResize="1" noEditPoints="1" noAdjustHandles="1" noChangeArrowheads="1" noChangeShapeType="1" noTextEdit="1"/>
+              </p:cNvSpPr>
+              <p:nvPr/>
+            </p:nvSpPr>
+            <p:spPr>
+              <a:xfrm>
+                <a:off x="228600" y="2645557"/>
+                <a:ext cx="4362061" cy="584775"/>
+              </a:xfrm>
+              <a:prstGeom prst="rect">
+                <a:avLst/>
+              </a:prstGeom>
+              <a:blipFill>
+                <a:blip r:embed="rId8"/>
                 <a:stretch>
                   <a:fillRect/>
                 </a:stretch>
@@ -35001,7 +35162,7 @@
                             </p:stCondLst>
                             <p:childTnLst>
                               <p:par>
-                                <p:cTn id="10" presetID="2" presetClass="entr" presetSubtype="4" fill="hold" nodeType="clickEffect">
+                                <p:cTn id="10" presetID="22" presetClass="entr" presetSubtype="4" fill="hold" grpId="0" nodeType="clickEffect">
                                   <p:stCondLst>
                                     <p:cond delay="0"/>
                                   </p:stCondLst>
@@ -35009,6 +35170,59 @@
                                     <p:set>
                                       <p:cBhvr>
                                         <p:cTn id="11" dur="1" fill="hold">
+                                          <p:stCondLst>
+                                            <p:cond delay="0"/>
+                                          </p:stCondLst>
+                                        </p:cTn>
+                                        <p:tgtEl>
+                                          <p:spTgt spid="4"/>
+                                        </p:tgtEl>
+                                        <p:attrNameLst>
+                                          <p:attrName>style.visibility</p:attrName>
+                                        </p:attrNameLst>
+                                      </p:cBhvr>
+                                      <p:to>
+                                        <p:strVal val="visible"/>
+                                      </p:to>
+                                    </p:set>
+                                    <p:animEffect transition="in" filter="wipe(down)">
+                                      <p:cBhvr>
+                                        <p:cTn id="12" dur="500"/>
+                                        <p:tgtEl>
+                                          <p:spTgt spid="4"/>
+                                        </p:tgtEl>
+                                      </p:cBhvr>
+                                    </p:animEffect>
+                                  </p:childTnLst>
+                                </p:cTn>
+                              </p:par>
+                            </p:childTnLst>
+                          </p:cTn>
+                        </p:par>
+                      </p:childTnLst>
+                    </p:cTn>
+                  </p:par>
+                  <p:par>
+                    <p:cTn id="13" fill="hold">
+                      <p:stCondLst>
+                        <p:cond delay="indefinite"/>
+                      </p:stCondLst>
+                      <p:childTnLst>
+                        <p:par>
+                          <p:cTn id="14" fill="hold">
+                            <p:stCondLst>
+                              <p:cond delay="0"/>
+                            </p:stCondLst>
+                            <p:childTnLst>
+                              <p:par>
+                                <p:cTn id="15" presetID="2" presetClass="entr" presetSubtype="4" fill="hold" nodeType="clickEffect">
+                                  <p:stCondLst>
+                                    <p:cond delay="0"/>
+                                  </p:stCondLst>
+                                  <p:childTnLst>
+                                    <p:set>
+                                      <p:cBhvr>
+                                        <p:cTn id="16" dur="1" fill="hold">
                                           <p:stCondLst>
                                             <p:cond delay="0"/>
                                           </p:stCondLst>
@@ -35026,7 +35240,7 @@
                                     </p:set>
                                     <p:anim calcmode="lin" valueType="num">
                                       <p:cBhvr additive="base">
-                                        <p:cTn id="12" dur="500" fill="hold"/>
+                                        <p:cTn id="17" dur="500" fill="hold"/>
                                         <p:tgtEl>
                                           <p:spTgt spid="11266"/>
                                         </p:tgtEl>
@@ -35049,7 +35263,7 @@
                                     </p:anim>
                                     <p:anim calcmode="lin" valueType="num">
                                       <p:cBhvr additive="base">
-                                        <p:cTn id="13" dur="500" fill="hold"/>
+                                        <p:cTn id="18" dur="500" fill="hold"/>
                                         <p:tgtEl>
                                           <p:spTgt spid="11266"/>
                                         </p:tgtEl>
@@ -35070,59 +35284,6 @@
                                         </p:tav>
                                       </p:tavLst>
                                     </p:anim>
-                                  </p:childTnLst>
-                                </p:cTn>
-                              </p:par>
-                            </p:childTnLst>
-                          </p:cTn>
-                        </p:par>
-                      </p:childTnLst>
-                    </p:cTn>
-                  </p:par>
-                  <p:par>
-                    <p:cTn id="14" fill="hold">
-                      <p:stCondLst>
-                        <p:cond delay="indefinite"/>
-                      </p:stCondLst>
-                      <p:childTnLst>
-                        <p:par>
-                          <p:cTn id="15" fill="hold">
-                            <p:stCondLst>
-                              <p:cond delay="0"/>
-                            </p:stCondLst>
-                            <p:childTnLst>
-                              <p:par>
-                                <p:cTn id="16" presetID="22" presetClass="entr" presetSubtype="4" fill="hold" grpId="0" nodeType="clickEffect">
-                                  <p:stCondLst>
-                                    <p:cond delay="0"/>
-                                  </p:stCondLst>
-                                  <p:childTnLst>
-                                    <p:set>
-                                      <p:cBhvr>
-                                        <p:cTn id="17" dur="1" fill="hold">
-                                          <p:stCondLst>
-                                            <p:cond delay="0"/>
-                                          </p:stCondLst>
-                                        </p:cTn>
-                                        <p:tgtEl>
-                                          <p:spTgt spid="6"/>
-                                        </p:tgtEl>
-                                        <p:attrNameLst>
-                                          <p:attrName>style.visibility</p:attrName>
-                                        </p:attrNameLst>
-                                      </p:cBhvr>
-                                      <p:to>
-                                        <p:strVal val="visible"/>
-                                      </p:to>
-                                    </p:set>
-                                    <p:animEffect transition="in" filter="wipe(down)">
-                                      <p:cBhvr>
-                                        <p:cTn id="18" dur="500"/>
-                                        <p:tgtEl>
-                                          <p:spTgt spid="6"/>
-                                        </p:tgtEl>
-                                      </p:cBhvr>
-                                    </p:animEffect>
                                   </p:childTnLst>
                                 </p:cTn>
                               </p:par>
@@ -35158,7 +35319,7 @@
                                           </p:stCondLst>
                                         </p:cTn>
                                         <p:tgtEl>
-                                          <p:spTgt spid="5"/>
+                                          <p:spTgt spid="6"/>
                                         </p:tgtEl>
                                         <p:attrNameLst>
                                           <p:attrName>style.visibility</p:attrName>
@@ -35172,7 +35333,7 @@
                                       <p:cBhvr>
                                         <p:cTn id="23" dur="500"/>
                                         <p:tgtEl>
-                                          <p:spTgt spid="5"/>
+                                          <p:spTgt spid="6"/>
                                         </p:tgtEl>
                                       </p:cBhvr>
                                     </p:animEffect>
@@ -35211,6 +35372,59 @@
                                           </p:stCondLst>
                                         </p:cTn>
                                         <p:tgtEl>
+                                          <p:spTgt spid="5"/>
+                                        </p:tgtEl>
+                                        <p:attrNameLst>
+                                          <p:attrName>style.visibility</p:attrName>
+                                        </p:attrNameLst>
+                                      </p:cBhvr>
+                                      <p:to>
+                                        <p:strVal val="visible"/>
+                                      </p:to>
+                                    </p:set>
+                                    <p:animEffect transition="in" filter="wipe(down)">
+                                      <p:cBhvr>
+                                        <p:cTn id="28" dur="500"/>
+                                        <p:tgtEl>
+                                          <p:spTgt spid="5"/>
+                                        </p:tgtEl>
+                                      </p:cBhvr>
+                                    </p:animEffect>
+                                  </p:childTnLst>
+                                </p:cTn>
+                              </p:par>
+                            </p:childTnLst>
+                          </p:cTn>
+                        </p:par>
+                      </p:childTnLst>
+                    </p:cTn>
+                  </p:par>
+                  <p:par>
+                    <p:cTn id="29" fill="hold">
+                      <p:stCondLst>
+                        <p:cond delay="indefinite"/>
+                      </p:stCondLst>
+                      <p:childTnLst>
+                        <p:par>
+                          <p:cTn id="30" fill="hold">
+                            <p:stCondLst>
+                              <p:cond delay="0"/>
+                            </p:stCondLst>
+                            <p:childTnLst>
+                              <p:par>
+                                <p:cTn id="31" presetID="22" presetClass="entr" presetSubtype="4" fill="hold" grpId="0" nodeType="clickEffect">
+                                  <p:stCondLst>
+                                    <p:cond delay="0"/>
+                                  </p:stCondLst>
+                                  <p:childTnLst>
+                                    <p:set>
+                                      <p:cBhvr>
+                                        <p:cTn id="32" dur="1" fill="hold">
+                                          <p:stCondLst>
+                                            <p:cond delay="0"/>
+                                          </p:stCondLst>
+                                        </p:cTn>
+                                        <p:tgtEl>
                                           <p:spTgt spid="7"/>
                                         </p:tgtEl>
                                         <p:attrNameLst>
@@ -35223,7 +35437,7 @@
                                     </p:set>
                                     <p:animEffect transition="in" filter="wipe(down)">
                                       <p:cBhvr>
-                                        <p:cTn id="28" dur="500"/>
+                                        <p:cTn id="33" dur="500"/>
                                         <p:tgtEl>
                                           <p:spTgt spid="7"/>
                                         </p:tgtEl>
@@ -35264,6 +35478,7 @@
       <p:bldP spid="6" grpId="0" animBg="1"/>
       <p:bldP spid="7" grpId="0" animBg="1"/>
       <p:bldP spid="3" grpId="0" animBg="1"/>
+      <p:bldP spid="4" grpId="0" animBg="1"/>
     </p:bldLst>
   </p:timing>
 </p:sld>
